--- a/week10/week10.pptx
+++ b/week10/week10.pptx
@@ -227,7 +227,7 @@
           </a:lstStyle>
           <a:p>
             <a:r>
-              <a:rPr lang="en-US" smtClean="0"/>
+              <a:rPr lang="en-US"/>
               <a:t>Click to edit Master title style</a:t>
             </a:r>
             <a:endParaRPr lang="en-US" dirty="0"/>
@@ -347,7 +347,7 @@
           </a:lstStyle>
           <a:p>
             <a:r>
-              <a:rPr lang="en-US" smtClean="0"/>
+              <a:rPr lang="en-US"/>
               <a:t>Click to edit Master subtitle style</a:t>
             </a:r>
             <a:endParaRPr lang="en-US" dirty="0"/>
@@ -371,7 +371,7 @@
           <a:p>
             <a:fld id="{4AAD347D-5ACD-4C99-B74B-A9C85AD731AF}" type="datetimeFigureOut">
               <a:rPr lang="en-US" dirty="0"/>
-              <a:t>7/4/2018</a:t>
+              <a:t>11/9/2018</a:t>
             </a:fld>
             <a:endParaRPr lang="en-US" dirty="0"/>
           </a:p>
@@ -471,7 +471,7 @@
           </a:lstStyle>
           <a:p>
             <a:r>
-              <a:rPr lang="en-US" smtClean="0"/>
+              <a:rPr lang="en-US"/>
               <a:t>Click to edit Master title style</a:t>
             </a:r>
             <a:endParaRPr lang="en-US" dirty="0"/>
@@ -550,7 +550,7 @@
           </a:lstStyle>
           <a:p>
             <a:r>
-              <a:rPr lang="en-US" smtClean="0"/>
+              <a:rPr lang="en-US"/>
               <a:t>Click icon to add picture</a:t>
             </a:r>
             <a:endParaRPr lang="en-US" dirty="0"/>
@@ -618,7 +618,7 @@
           <a:p>
             <a:pPr lvl="0"/>
             <a:r>
-              <a:rPr lang="en-US" smtClean="0"/>
+              <a:rPr lang="en-US"/>
               <a:t>Click to edit Master text styles</a:t>
             </a:r>
           </a:p>
@@ -641,7 +641,7 @@
           <a:p>
             <a:fld id="{4509A250-FF31-4206-8172-F9D3106AACB1}" type="datetimeFigureOut">
               <a:rPr lang="en-US" dirty="0"/>
-              <a:t>7/4/2018</a:t>
+              <a:t>11/9/2018</a:t>
             </a:fld>
             <a:endParaRPr lang="en-US" dirty="0"/>
           </a:p>
@@ -739,7 +739,7 @@
           </a:lstStyle>
           <a:p>
             <a:r>
-              <a:rPr lang="en-US" smtClean="0"/>
+              <a:rPr lang="en-US"/>
               <a:t>Click to edit Master title style</a:t>
             </a:r>
             <a:endParaRPr lang="en-US" dirty="0"/>
@@ -807,7 +807,7 @@
           <a:p>
             <a:pPr lvl="0"/>
             <a:r>
-              <a:rPr lang="en-US" smtClean="0"/>
+              <a:rPr lang="en-US"/>
               <a:t>Click to edit Master text styles</a:t>
             </a:r>
           </a:p>
@@ -830,7 +830,7 @@
           <a:p>
             <a:fld id="{4509A250-FF31-4206-8172-F9D3106AACB1}" type="datetimeFigureOut">
               <a:rPr lang="en-US" dirty="0"/>
-              <a:t>7/4/2018</a:t>
+              <a:t>11/9/2018</a:t>
             </a:fld>
             <a:endParaRPr lang="en-US" dirty="0"/>
           </a:p>
@@ -928,7 +928,7 @@
           </a:lstStyle>
           <a:p>
             <a:r>
-              <a:rPr lang="en-US" smtClean="0"/>
+              <a:rPr lang="en-US"/>
               <a:t>Click to edit Master title style</a:t>
             </a:r>
             <a:endParaRPr lang="en-US" dirty="0"/>
@@ -1008,7 +1008,7 @@
               <a:buNone/>
             </a:pPr>
             <a:r>
-              <a:rPr lang="en-US" smtClean="0"/>
+              <a:rPr lang="en-US"/>
               <a:t>Click to edit Master text styles</a:t>
             </a:r>
           </a:p>
@@ -1075,7 +1075,7 @@
           <a:p>
             <a:pPr lvl="0"/>
             <a:r>
-              <a:rPr lang="en-US" smtClean="0"/>
+              <a:rPr lang="en-US"/>
               <a:t>Click to edit Master text styles</a:t>
             </a:r>
           </a:p>
@@ -1098,7 +1098,7 @@
           <a:p>
             <a:fld id="{4509A250-FF31-4206-8172-F9D3106AACB1}" type="datetimeFigureOut">
               <a:rPr lang="en-US" dirty="0"/>
-              <a:t>7/4/2018</a:t>
+              <a:t>11/9/2018</a:t>
             </a:fld>
             <a:endParaRPr lang="en-US" dirty="0"/>
           </a:p>
@@ -1290,7 +1290,7 @@
           </a:lstStyle>
           <a:p>
             <a:r>
-              <a:rPr lang="en-US" smtClean="0"/>
+              <a:rPr lang="en-US"/>
               <a:t>Click to edit Master title style</a:t>
             </a:r>
             <a:endParaRPr lang="en-US" dirty="0"/>
@@ -1411,7 +1411,7 @@
           <a:p>
             <a:pPr lvl="0"/>
             <a:r>
-              <a:rPr lang="en-US" smtClean="0"/>
+              <a:rPr lang="en-US"/>
               <a:t>Click to edit Master text styles</a:t>
             </a:r>
           </a:p>
@@ -1434,7 +1434,7 @@
           <a:p>
             <a:fld id="{4509A250-FF31-4206-8172-F9D3106AACB1}" type="datetimeFigureOut">
               <a:rPr lang="en-US" dirty="0"/>
-              <a:t>7/4/2018</a:t>
+              <a:t>11/9/2018</a:t>
             </a:fld>
             <a:endParaRPr lang="en-US" dirty="0"/>
           </a:p>
@@ -1527,7 +1527,7 @@
           </a:lstStyle>
           <a:p>
             <a:r>
-              <a:rPr lang="en-US" smtClean="0"/>
+              <a:rPr lang="en-US"/>
               <a:t>Click to edit Master title style</a:t>
             </a:r>
             <a:endParaRPr lang="en-US" dirty="0"/>
@@ -1602,7 +1602,7 @@
           <a:p>
             <a:pPr lvl="0"/>
             <a:r>
-              <a:rPr lang="en-US" smtClean="0"/>
+              <a:rPr lang="en-US"/>
               <a:t>Click to edit Master text styles</a:t>
             </a:r>
           </a:p>
@@ -1669,7 +1669,7 @@
           <a:p>
             <a:pPr lvl="0"/>
             <a:r>
-              <a:rPr lang="en-US" smtClean="0"/>
+              <a:rPr lang="en-US"/>
               <a:t>Click to edit Master text styles</a:t>
             </a:r>
           </a:p>
@@ -1743,7 +1743,7 @@
           <a:p>
             <a:pPr lvl="0"/>
             <a:r>
-              <a:rPr lang="en-US" smtClean="0"/>
+              <a:rPr lang="en-US"/>
               <a:t>Click to edit Master text styles</a:t>
             </a:r>
           </a:p>
@@ -1810,7 +1810,7 @@
           <a:p>
             <a:pPr lvl="0"/>
             <a:r>
-              <a:rPr lang="en-US" smtClean="0"/>
+              <a:rPr lang="en-US"/>
               <a:t>Click to edit Master text styles</a:t>
             </a:r>
           </a:p>
@@ -1884,7 +1884,7 @@
           <a:p>
             <a:pPr lvl="0"/>
             <a:r>
-              <a:rPr lang="en-US" smtClean="0"/>
+              <a:rPr lang="en-US"/>
               <a:t>Click to edit Master text styles</a:t>
             </a:r>
           </a:p>
@@ -1951,7 +1951,7 @@
           <a:p>
             <a:pPr lvl="0"/>
             <a:r>
-              <a:rPr lang="en-US" smtClean="0"/>
+              <a:rPr lang="en-US"/>
               <a:t>Click to edit Master text styles</a:t>
             </a:r>
           </a:p>
@@ -2052,7 +2052,7 @@
           <a:p>
             <a:fld id="{4509A250-FF31-4206-8172-F9D3106AACB1}" type="datetimeFigureOut">
               <a:rPr lang="en-US" dirty="0"/>
-              <a:t>7/4/2018</a:t>
+              <a:t>11/9/2018</a:t>
             </a:fld>
             <a:endParaRPr lang="en-US" dirty="0"/>
           </a:p>
@@ -2145,7 +2145,7 @@
           </a:lstStyle>
           <a:p>
             <a:r>
-              <a:rPr lang="en-US" smtClean="0"/>
+              <a:rPr lang="en-US"/>
               <a:t>Click to edit Master title style</a:t>
             </a:r>
             <a:endParaRPr lang="en-US" dirty="0"/>
@@ -2220,7 +2220,7 @@
           <a:p>
             <a:pPr lvl="0"/>
             <a:r>
-              <a:rPr lang="en-US" smtClean="0"/>
+              <a:rPr lang="en-US"/>
               <a:t>Click to edit Master text styles</a:t>
             </a:r>
           </a:p>
@@ -2298,7 +2298,7 @@
           </a:lstStyle>
           <a:p>
             <a:r>
-              <a:rPr lang="en-US" smtClean="0"/>
+              <a:rPr lang="en-US"/>
               <a:t>Click icon to add picture</a:t>
             </a:r>
             <a:endParaRPr lang="en-US" dirty="0"/>
@@ -2366,7 +2366,7 @@
           <a:p>
             <a:pPr lvl="0"/>
             <a:r>
-              <a:rPr lang="en-US" smtClean="0"/>
+              <a:rPr lang="en-US"/>
               <a:t>Click to edit Master text styles</a:t>
             </a:r>
           </a:p>
@@ -2440,7 +2440,7 @@
           <a:p>
             <a:pPr lvl="0"/>
             <a:r>
-              <a:rPr lang="en-US" smtClean="0"/>
+              <a:rPr lang="en-US"/>
               <a:t>Click to edit Master text styles</a:t>
             </a:r>
           </a:p>
@@ -2518,7 +2518,7 @@
           </a:lstStyle>
           <a:p>
             <a:r>
-              <a:rPr lang="en-US" smtClean="0"/>
+              <a:rPr lang="en-US"/>
               <a:t>Click icon to add picture</a:t>
             </a:r>
             <a:endParaRPr lang="en-US" dirty="0"/>
@@ -2586,7 +2586,7 @@
           <a:p>
             <a:pPr lvl="0"/>
             <a:r>
-              <a:rPr lang="en-US" smtClean="0"/>
+              <a:rPr lang="en-US"/>
               <a:t>Click to edit Master text styles</a:t>
             </a:r>
           </a:p>
@@ -2660,7 +2660,7 @@
           <a:p>
             <a:pPr lvl="0"/>
             <a:r>
-              <a:rPr lang="en-US" smtClean="0"/>
+              <a:rPr lang="en-US"/>
               <a:t>Click to edit Master text styles</a:t>
             </a:r>
           </a:p>
@@ -2738,7 +2738,7 @@
           </a:lstStyle>
           <a:p>
             <a:r>
-              <a:rPr lang="en-US" smtClean="0"/>
+              <a:rPr lang="en-US"/>
               <a:t>Click icon to add picture</a:t>
             </a:r>
             <a:endParaRPr lang="en-US" dirty="0"/>
@@ -2806,7 +2806,7 @@
           <a:p>
             <a:pPr lvl="0"/>
             <a:r>
-              <a:rPr lang="en-US" smtClean="0"/>
+              <a:rPr lang="en-US"/>
               <a:t>Click to edit Master text styles</a:t>
             </a:r>
           </a:p>
@@ -2907,7 +2907,7 @@
           <a:p>
             <a:fld id="{4509A250-FF31-4206-8172-F9D3106AACB1}" type="datetimeFigureOut">
               <a:rPr lang="en-US" dirty="0"/>
-              <a:t>7/4/2018</a:t>
+              <a:t>11/9/2018</a:t>
             </a:fld>
             <a:endParaRPr lang="en-US" dirty="0"/>
           </a:p>
@@ -2996,7 +2996,7 @@
           <a:lstStyle/>
           <a:p>
             <a:r>
-              <a:rPr lang="en-US" smtClean="0"/>
+              <a:rPr lang="en-US"/>
               <a:t>Click to edit Master title style</a:t>
             </a:r>
             <a:endParaRPr lang="en-US" dirty="0"/>
@@ -3020,35 +3020,35 @@
           <a:p>
             <a:pPr lvl="0"/>
             <a:r>
-              <a:rPr lang="en-US" smtClean="0"/>
+              <a:rPr lang="en-US"/>
               <a:t>Click to edit Master text styles</a:t>
             </a:r>
           </a:p>
           <a:p>
             <a:pPr lvl="1"/>
             <a:r>
-              <a:rPr lang="en-US" smtClean="0"/>
+              <a:rPr lang="en-US"/>
               <a:t>Second level</a:t>
             </a:r>
           </a:p>
           <a:p>
             <a:pPr lvl="2"/>
             <a:r>
-              <a:rPr lang="en-US" smtClean="0"/>
+              <a:rPr lang="en-US"/>
               <a:t>Third level</a:t>
             </a:r>
           </a:p>
           <a:p>
             <a:pPr lvl="3"/>
             <a:r>
-              <a:rPr lang="en-US" smtClean="0"/>
+              <a:rPr lang="en-US"/>
               <a:t>Fourth level</a:t>
             </a:r>
           </a:p>
           <a:p>
             <a:pPr lvl="4"/>
             <a:r>
-              <a:rPr lang="en-US" smtClean="0"/>
+              <a:rPr lang="en-US"/>
               <a:t>Fifth level</a:t>
             </a:r>
             <a:endParaRPr lang="en-US" dirty="0"/>
@@ -3072,7 +3072,7 @@
           <a:p>
             <a:fld id="{4509A250-FF31-4206-8172-F9D3106AACB1}" type="datetimeFigureOut">
               <a:rPr lang="en-US" dirty="0"/>
-              <a:t>7/4/2018</a:t>
+              <a:t>11/9/2018</a:t>
             </a:fld>
             <a:endParaRPr lang="en-US" dirty="0"/>
           </a:p>
@@ -3166,7 +3166,7 @@
           <a:lstStyle/>
           <a:p>
             <a:r>
-              <a:rPr lang="en-US" smtClean="0"/>
+              <a:rPr lang="en-US"/>
               <a:t>Click to edit Master title style</a:t>
             </a:r>
             <a:endParaRPr lang="en-US" dirty="0"/>
@@ -3195,35 +3195,35 @@
           <a:p>
             <a:pPr lvl="0"/>
             <a:r>
-              <a:rPr lang="en-US" smtClean="0"/>
+              <a:rPr lang="en-US"/>
               <a:t>Click to edit Master text styles</a:t>
             </a:r>
           </a:p>
           <a:p>
             <a:pPr lvl="1"/>
             <a:r>
-              <a:rPr lang="en-US" smtClean="0"/>
+              <a:rPr lang="en-US"/>
               <a:t>Second level</a:t>
             </a:r>
           </a:p>
           <a:p>
             <a:pPr lvl="2"/>
             <a:r>
-              <a:rPr lang="en-US" smtClean="0"/>
+              <a:rPr lang="en-US"/>
               <a:t>Third level</a:t>
             </a:r>
           </a:p>
           <a:p>
             <a:pPr lvl="3"/>
             <a:r>
-              <a:rPr lang="en-US" smtClean="0"/>
+              <a:rPr lang="en-US"/>
               <a:t>Fourth level</a:t>
             </a:r>
           </a:p>
           <a:p>
             <a:pPr lvl="4"/>
             <a:r>
-              <a:rPr lang="en-US" smtClean="0"/>
+              <a:rPr lang="en-US"/>
               <a:t>Fifth level</a:t>
             </a:r>
             <a:endParaRPr lang="en-US" dirty="0"/>
@@ -3247,7 +3247,7 @@
           <a:p>
             <a:fld id="{4509A250-FF31-4206-8172-F9D3106AACB1}" type="datetimeFigureOut">
               <a:rPr lang="en-US" dirty="0"/>
-              <a:t>7/4/2018</a:t>
+              <a:t>11/9/2018</a:t>
             </a:fld>
             <a:endParaRPr lang="en-US" dirty="0"/>
           </a:p>
@@ -3336,7 +3336,7 @@
           <a:lstStyle/>
           <a:p>
             <a:r>
-              <a:rPr lang="en-US" smtClean="0"/>
+              <a:rPr lang="en-US"/>
               <a:t>Click to edit Master title style</a:t>
             </a:r>
             <a:endParaRPr lang="en-US" dirty="0"/>
@@ -3360,35 +3360,35 @@
           <a:p>
             <a:pPr lvl="0"/>
             <a:r>
-              <a:rPr lang="en-US" smtClean="0"/>
+              <a:rPr lang="en-US"/>
               <a:t>Click to edit Master text styles</a:t>
             </a:r>
           </a:p>
           <a:p>
             <a:pPr lvl="1"/>
             <a:r>
-              <a:rPr lang="en-US" smtClean="0"/>
+              <a:rPr lang="en-US"/>
               <a:t>Second level</a:t>
             </a:r>
           </a:p>
           <a:p>
             <a:pPr lvl="2"/>
             <a:r>
-              <a:rPr lang="en-US" smtClean="0"/>
+              <a:rPr lang="en-US"/>
               <a:t>Third level</a:t>
             </a:r>
           </a:p>
           <a:p>
             <a:pPr lvl="3"/>
             <a:r>
-              <a:rPr lang="en-US" smtClean="0"/>
+              <a:rPr lang="en-US"/>
               <a:t>Fourth level</a:t>
             </a:r>
           </a:p>
           <a:p>
             <a:pPr lvl="4"/>
             <a:r>
-              <a:rPr lang="en-US" smtClean="0"/>
+              <a:rPr lang="en-US"/>
               <a:t>Fifth level</a:t>
             </a:r>
             <a:endParaRPr lang="en-US" dirty="0"/>
@@ -3412,7 +3412,7 @@
           <a:p>
             <a:fld id="{4509A250-FF31-4206-8172-F9D3106AACB1}" type="datetimeFigureOut">
               <a:rPr lang="en-US" dirty="0"/>
-              <a:t>7/4/2018</a:t>
+              <a:t>11/9/2018</a:t>
             </a:fld>
             <a:endParaRPr lang="en-US" dirty="0"/>
           </a:p>
@@ -3510,7 +3510,7 @@
           </a:lstStyle>
           <a:p>
             <a:r>
-              <a:rPr lang="en-US" smtClean="0"/>
+              <a:rPr lang="en-US"/>
               <a:t>Click to edit Master title style</a:t>
             </a:r>
             <a:endParaRPr lang="en-US" dirty="0"/>
@@ -3631,7 +3631,7 @@
           <a:p>
             <a:pPr lvl="0"/>
             <a:r>
-              <a:rPr lang="en-US" smtClean="0"/>
+              <a:rPr lang="en-US"/>
               <a:t>Click to edit Master text styles</a:t>
             </a:r>
           </a:p>
@@ -3654,7 +3654,7 @@
           <a:p>
             <a:fld id="{9796027F-7875-4030-9381-8BD8C4F21935}" type="datetimeFigureOut">
               <a:rPr lang="en-US" dirty="0"/>
-              <a:t>7/4/2018</a:t>
+              <a:t>11/9/2018</a:t>
             </a:fld>
             <a:endParaRPr lang="en-US" dirty="0"/>
           </a:p>
@@ -3743,7 +3743,7 @@
           <a:lstStyle/>
           <a:p>
             <a:r>
-              <a:rPr lang="en-US" smtClean="0"/>
+              <a:rPr lang="en-US"/>
               <a:t>Click to edit Master title style</a:t>
             </a:r>
             <a:endParaRPr lang="en-US" dirty="0"/>
@@ -3802,35 +3802,35 @@
           <a:p>
             <a:pPr lvl="0"/>
             <a:r>
-              <a:rPr lang="en-US" smtClean="0"/>
+              <a:rPr lang="en-US"/>
               <a:t>Click to edit Master text styles</a:t>
             </a:r>
           </a:p>
           <a:p>
             <a:pPr lvl="1"/>
             <a:r>
-              <a:rPr lang="en-US" smtClean="0"/>
+              <a:rPr lang="en-US"/>
               <a:t>Second level</a:t>
             </a:r>
           </a:p>
           <a:p>
             <a:pPr lvl="2"/>
             <a:r>
-              <a:rPr lang="en-US" smtClean="0"/>
+              <a:rPr lang="en-US"/>
               <a:t>Third level</a:t>
             </a:r>
           </a:p>
           <a:p>
             <a:pPr lvl="3"/>
             <a:r>
-              <a:rPr lang="en-US" smtClean="0"/>
+              <a:rPr lang="en-US"/>
               <a:t>Fourth level</a:t>
             </a:r>
           </a:p>
           <a:p>
             <a:pPr lvl="4"/>
             <a:r>
-              <a:rPr lang="en-US" smtClean="0"/>
+              <a:rPr lang="en-US"/>
               <a:t>Fifth level</a:t>
             </a:r>
             <a:endParaRPr lang="en-US" dirty="0"/>
@@ -3889,35 +3889,35 @@
           <a:p>
             <a:pPr lvl="0"/>
             <a:r>
-              <a:rPr lang="en-US" smtClean="0"/>
+              <a:rPr lang="en-US"/>
               <a:t>Click to edit Master text styles</a:t>
             </a:r>
           </a:p>
           <a:p>
             <a:pPr lvl="1"/>
             <a:r>
-              <a:rPr lang="en-US" smtClean="0"/>
+              <a:rPr lang="en-US"/>
               <a:t>Second level</a:t>
             </a:r>
           </a:p>
           <a:p>
             <a:pPr lvl="2"/>
             <a:r>
-              <a:rPr lang="en-US" smtClean="0"/>
+              <a:rPr lang="en-US"/>
               <a:t>Third level</a:t>
             </a:r>
           </a:p>
           <a:p>
             <a:pPr lvl="3"/>
             <a:r>
-              <a:rPr lang="en-US" smtClean="0"/>
+              <a:rPr lang="en-US"/>
               <a:t>Fourth level</a:t>
             </a:r>
           </a:p>
           <a:p>
             <a:pPr lvl="4"/>
             <a:r>
-              <a:rPr lang="en-US" smtClean="0"/>
+              <a:rPr lang="en-US"/>
               <a:t>Fifth level</a:t>
             </a:r>
             <a:endParaRPr lang="en-US" dirty="0"/>
@@ -3941,7 +3941,7 @@
           <a:p>
             <a:fld id="{9796027F-7875-4030-9381-8BD8C4F21935}" type="datetimeFigureOut">
               <a:rPr lang="en-US" dirty="0"/>
-              <a:t>7/4/2018</a:t>
+              <a:t>11/9/2018</a:t>
             </a:fld>
             <a:endParaRPr lang="en-US" dirty="0"/>
           </a:p>
@@ -4034,7 +4034,7 @@
           </a:lstStyle>
           <a:p>
             <a:r>
-              <a:rPr lang="en-US" smtClean="0"/>
+              <a:rPr lang="en-US"/>
               <a:t>Click to edit Master title style</a:t>
             </a:r>
             <a:endParaRPr lang="en-US" dirty="0"/>
@@ -4109,7 +4109,7 @@
           <a:p>
             <a:pPr lvl="0"/>
             <a:r>
-              <a:rPr lang="en-US" smtClean="0"/>
+              <a:rPr lang="en-US"/>
               <a:t>Click to edit Master text styles</a:t>
             </a:r>
           </a:p>
@@ -4167,35 +4167,35 @@
           <a:p>
             <a:pPr lvl="0"/>
             <a:r>
-              <a:rPr lang="en-US" smtClean="0"/>
+              <a:rPr lang="en-US"/>
               <a:t>Click to edit Master text styles</a:t>
             </a:r>
           </a:p>
           <a:p>
             <a:pPr lvl="1"/>
             <a:r>
-              <a:rPr lang="en-US" smtClean="0"/>
+              <a:rPr lang="en-US"/>
               <a:t>Second level</a:t>
             </a:r>
           </a:p>
           <a:p>
             <a:pPr lvl="2"/>
             <a:r>
-              <a:rPr lang="en-US" smtClean="0"/>
+              <a:rPr lang="en-US"/>
               <a:t>Third level</a:t>
             </a:r>
           </a:p>
           <a:p>
             <a:pPr lvl="3"/>
             <a:r>
-              <a:rPr lang="en-US" smtClean="0"/>
+              <a:rPr lang="en-US"/>
               <a:t>Fourth level</a:t>
             </a:r>
           </a:p>
           <a:p>
             <a:pPr lvl="4"/>
             <a:r>
-              <a:rPr lang="en-US" smtClean="0"/>
+              <a:rPr lang="en-US"/>
               <a:t>Fifth level</a:t>
             </a:r>
             <a:endParaRPr lang="en-US" dirty="0"/>
@@ -4270,7 +4270,7 @@
           <a:p>
             <a:pPr lvl="0"/>
             <a:r>
-              <a:rPr lang="en-US" smtClean="0"/>
+              <a:rPr lang="en-US"/>
               <a:t>Click to edit Master text styles</a:t>
             </a:r>
           </a:p>
@@ -4328,35 +4328,35 @@
           <a:p>
             <a:pPr lvl="0"/>
             <a:r>
-              <a:rPr lang="en-US" smtClean="0"/>
+              <a:rPr lang="en-US"/>
               <a:t>Click to edit Master text styles</a:t>
             </a:r>
           </a:p>
           <a:p>
             <a:pPr lvl="1"/>
             <a:r>
-              <a:rPr lang="en-US" smtClean="0"/>
+              <a:rPr lang="en-US"/>
               <a:t>Second level</a:t>
             </a:r>
           </a:p>
           <a:p>
             <a:pPr lvl="2"/>
             <a:r>
-              <a:rPr lang="en-US" smtClean="0"/>
+              <a:rPr lang="en-US"/>
               <a:t>Third level</a:t>
             </a:r>
           </a:p>
           <a:p>
             <a:pPr lvl="3"/>
             <a:r>
-              <a:rPr lang="en-US" smtClean="0"/>
+              <a:rPr lang="en-US"/>
               <a:t>Fourth level</a:t>
             </a:r>
           </a:p>
           <a:p>
             <a:pPr lvl="4"/>
             <a:r>
-              <a:rPr lang="en-US" smtClean="0"/>
+              <a:rPr lang="en-US"/>
               <a:t>Fifth level</a:t>
             </a:r>
             <a:endParaRPr lang="en-US" dirty="0"/>
@@ -4380,7 +4380,7 @@
           <a:p>
             <a:fld id="{9796027F-7875-4030-9381-8BD8C4F21935}" type="datetimeFigureOut">
               <a:rPr lang="en-US" dirty="0"/>
-              <a:t>7/4/2018</a:t>
+              <a:t>11/9/2018</a:t>
             </a:fld>
             <a:endParaRPr lang="en-US" dirty="0"/>
           </a:p>
@@ -4469,7 +4469,7 @@
           <a:lstStyle/>
           <a:p>
             <a:r>
-              <a:rPr lang="en-US" smtClean="0"/>
+              <a:rPr lang="en-US"/>
               <a:t>Click to edit Master title style</a:t>
             </a:r>
             <a:endParaRPr lang="en-US" dirty="0"/>
@@ -4493,7 +4493,7 @@
           <a:p>
             <a:fld id="{4509A250-FF31-4206-8172-F9D3106AACB1}" type="datetimeFigureOut">
               <a:rPr lang="en-US" dirty="0"/>
-              <a:t>7/4/2018</a:t>
+              <a:t>11/9/2018</a:t>
             </a:fld>
             <a:endParaRPr lang="en-US" dirty="0"/>
           </a:p>
@@ -4583,7 +4583,7 @@
           <a:p>
             <a:fld id="{4509A250-FF31-4206-8172-F9D3106AACB1}" type="datetimeFigureOut">
               <a:rPr lang="en-US" dirty="0"/>
-              <a:t>7/4/2018</a:t>
+              <a:t>11/9/2018</a:t>
             </a:fld>
             <a:endParaRPr lang="en-US" dirty="0"/>
           </a:p>
@@ -4681,7 +4681,7 @@
           </a:lstStyle>
           <a:p>
             <a:r>
-              <a:rPr lang="en-US" smtClean="0"/>
+              <a:rPr lang="en-US"/>
               <a:t>Click to edit Master title style</a:t>
             </a:r>
             <a:endParaRPr lang="en-US" dirty="0"/>
@@ -4740,35 +4740,35 @@
           <a:p>
             <a:pPr lvl="0"/>
             <a:r>
-              <a:rPr lang="en-US" smtClean="0"/>
+              <a:rPr lang="en-US"/>
               <a:t>Click to edit Master text styles</a:t>
             </a:r>
           </a:p>
           <a:p>
             <a:pPr lvl="1"/>
             <a:r>
-              <a:rPr lang="en-US" smtClean="0"/>
+              <a:rPr lang="en-US"/>
               <a:t>Second level</a:t>
             </a:r>
           </a:p>
           <a:p>
             <a:pPr lvl="2"/>
             <a:r>
-              <a:rPr lang="en-US" smtClean="0"/>
+              <a:rPr lang="en-US"/>
               <a:t>Third level</a:t>
             </a:r>
           </a:p>
           <a:p>
             <a:pPr lvl="3"/>
             <a:r>
-              <a:rPr lang="en-US" smtClean="0"/>
+              <a:rPr lang="en-US"/>
               <a:t>Fourth level</a:t>
             </a:r>
           </a:p>
           <a:p>
             <a:pPr lvl="4"/>
             <a:r>
-              <a:rPr lang="en-US" smtClean="0"/>
+              <a:rPr lang="en-US"/>
               <a:t>Fifth level</a:t>
             </a:r>
             <a:endParaRPr lang="en-US" dirty="0"/>
@@ -4834,7 +4834,7 @@
           <a:p>
             <a:pPr lvl="0"/>
             <a:r>
-              <a:rPr lang="en-US" smtClean="0"/>
+              <a:rPr lang="en-US"/>
               <a:t>Click to edit Master text styles</a:t>
             </a:r>
           </a:p>
@@ -4857,7 +4857,7 @@
           <a:p>
             <a:fld id="{4509A250-FF31-4206-8172-F9D3106AACB1}" type="datetimeFigureOut">
               <a:rPr lang="en-US" dirty="0"/>
-              <a:t>7/4/2018</a:t>
+              <a:t>11/9/2018</a:t>
             </a:fld>
             <a:endParaRPr lang="en-US" dirty="0"/>
           </a:p>
@@ -4957,7 +4957,7 @@
           </a:lstStyle>
           <a:p>
             <a:r>
-              <a:rPr lang="en-US" smtClean="0"/>
+              <a:rPr lang="en-US"/>
               <a:t>Click to edit Master title style</a:t>
             </a:r>
             <a:endParaRPr lang="en-US" dirty="0"/>
@@ -5036,7 +5036,7 @@
           </a:lstStyle>
           <a:p>
             <a:r>
-              <a:rPr lang="en-US" smtClean="0"/>
+              <a:rPr lang="en-US"/>
               <a:t>Click icon to add picture</a:t>
             </a:r>
             <a:endParaRPr lang="en-US" dirty="0"/>
@@ -5104,7 +5104,7 @@
           <a:p>
             <a:pPr lvl="0"/>
             <a:r>
-              <a:rPr lang="en-US" smtClean="0"/>
+              <a:rPr lang="en-US"/>
               <a:t>Click to edit Master text styles</a:t>
             </a:r>
           </a:p>
@@ -5127,7 +5127,7 @@
           <a:p>
             <a:fld id="{4509A250-FF31-4206-8172-F9D3106AACB1}" type="datetimeFigureOut">
               <a:rPr lang="en-US" dirty="0"/>
-              <a:t>7/4/2018</a:t>
+              <a:t>11/9/2018</a:t>
             </a:fld>
             <a:endParaRPr lang="en-US" dirty="0"/>
           </a:p>
@@ -5446,7 +5446,7 @@
           <a:lstStyle/>
           <a:p>
             <a:r>
-              <a:rPr lang="en-US" smtClean="0"/>
+              <a:rPr lang="en-US"/>
               <a:t>Click to edit Master title style</a:t>
             </a:r>
             <a:endParaRPr lang="en-US" dirty="0"/>
@@ -5480,35 +5480,35 @@
           <a:p>
             <a:pPr lvl="0"/>
             <a:r>
-              <a:rPr lang="en-US" smtClean="0"/>
+              <a:rPr lang="en-US"/>
               <a:t>Click to edit Master text styles</a:t>
             </a:r>
           </a:p>
           <a:p>
             <a:pPr lvl="1"/>
             <a:r>
-              <a:rPr lang="en-US" smtClean="0"/>
+              <a:rPr lang="en-US"/>
               <a:t>Second level</a:t>
             </a:r>
           </a:p>
           <a:p>
             <a:pPr lvl="2"/>
             <a:r>
-              <a:rPr lang="en-US" smtClean="0"/>
+              <a:rPr lang="en-US"/>
               <a:t>Third level</a:t>
             </a:r>
           </a:p>
           <a:p>
             <a:pPr lvl="3"/>
             <a:r>
-              <a:rPr lang="en-US" smtClean="0"/>
+              <a:rPr lang="en-US"/>
               <a:t>Fourth level</a:t>
             </a:r>
           </a:p>
           <a:p>
             <a:pPr lvl="4"/>
             <a:r>
-              <a:rPr lang="en-US" smtClean="0"/>
+              <a:rPr lang="en-US"/>
               <a:t>Fifth level</a:t>
             </a:r>
             <a:endParaRPr lang="en-US" dirty="0"/>
@@ -5551,7 +5551,7 @@
           <a:p>
             <a:fld id="{4AAD347D-5ACD-4C99-B74B-A9C85AD731AF}" type="datetimeFigureOut">
               <a:rPr lang="en-US" dirty="0"/>
-              <a:t>7/4/2018</a:t>
+              <a:t>11/9/2018</a:t>
             </a:fld>
             <a:endParaRPr lang="en-US" dirty="0"/>
           </a:p>
@@ -6091,11 +6091,11 @@
           <a:lstStyle/>
           <a:p>
             <a:r>
-              <a:rPr lang="en-GB" dirty="0" smtClean="0"/>
+              <a:rPr lang="en-GB" dirty="0"/>
               <a:t>Learning Python 3</a:t>
             </a:r>
             <a:br>
-              <a:rPr lang="en-GB" dirty="0" smtClean="0"/>
+              <a:rPr lang="en-GB" dirty="0"/>
             </a:br>
             <a:endParaRPr lang="en-GB" dirty="0"/>
           </a:p>
@@ -6117,10 +6117,9 @@
           <a:lstStyle/>
           <a:p>
             <a:r>
-              <a:rPr lang="en-GB" dirty="0" smtClean="0"/>
+              <a:rPr lang="en-GB" dirty="0"/>
               <a:t>Week 10: Test Driven Development.</a:t>
             </a:r>
-            <a:endParaRPr lang="en-GB" dirty="0"/>
           </a:p>
         </p:txBody>
       </p:sp>
@@ -6134,13 +6133,6 @@
   <p:clrMapOvr>
     <a:masterClrMapping/>
   </p:clrMapOvr>
-  <p:timing>
-    <p:tnLst>
-      <p:par>
-        <p:cTn id="1" dur="indefinite" restart="never" nodeType="tmRoot"/>
-      </p:par>
-    </p:tnLst>
-  </p:timing>
 </p:sld>
 </file>
 
@@ -6177,18 +6169,17 @@
           <a:lstStyle/>
           <a:p>
             <a:r>
-              <a:rPr lang="en-GB" dirty="0" smtClean="0"/>
+              <a:rPr lang="en-GB" dirty="0"/>
               <a:t>Step1: Setting up </a:t>
             </a:r>
             <a:r>
-              <a:rPr lang="en-GB" dirty="0" err="1" smtClean="0"/>
+              <a:rPr lang="en-GB" dirty="0" err="1"/>
               <a:t>PyCharm</a:t>
             </a:r>
             <a:r>
-              <a:rPr lang="en-GB" dirty="0" smtClean="0"/>
+              <a:rPr lang="en-GB" dirty="0"/>
               <a:t>.</a:t>
             </a:r>
-            <a:endParaRPr lang="en-GB" dirty="0"/>
           </a:p>
         </p:txBody>
       </p:sp>
@@ -6213,110 +6204,109 @@
           <a:lstStyle/>
           <a:p>
             <a:r>
-              <a:rPr lang="en-GB" dirty="0" smtClean="0"/>
+              <a:rPr lang="en-GB" dirty="0"/>
               <a:t>In </a:t>
             </a:r>
             <a:r>
-              <a:rPr lang="en-GB" dirty="0" err="1" smtClean="0"/>
+              <a:rPr lang="en-GB" dirty="0" err="1"/>
               <a:t>PyCharm</a:t>
             </a:r>
             <a:r>
-              <a:rPr lang="en-GB" dirty="0" smtClean="0"/>
+              <a:rPr lang="en-GB" dirty="0"/>
               <a:t>.</a:t>
             </a:r>
           </a:p>
           <a:p>
             <a:pPr lvl="1"/>
             <a:r>
-              <a:rPr lang="en-GB" dirty="0" smtClean="0"/>
+              <a:rPr lang="en-GB" dirty="0"/>
               <a:t>Go to the </a:t>
             </a:r>
             <a:r>
-              <a:rPr lang="en-GB" u="sng" dirty="0" smtClean="0"/>
+              <a:rPr lang="en-GB" u="sng" dirty="0"/>
               <a:t>File</a:t>
             </a:r>
             <a:r>
-              <a:rPr lang="en-GB" dirty="0" smtClean="0"/>
+              <a:rPr lang="en-GB" dirty="0"/>
               <a:t> menu, and pick </a:t>
             </a:r>
             <a:r>
-              <a:rPr lang="en-GB" u="sng" dirty="0" smtClean="0"/>
+              <a:rPr lang="en-GB" u="sng" dirty="0"/>
               <a:t>Settings</a:t>
             </a:r>
             <a:r>
-              <a:rPr lang="en-GB" dirty="0" smtClean="0"/>
+              <a:rPr lang="en-GB" dirty="0"/>
               <a:t>.</a:t>
             </a:r>
           </a:p>
           <a:p>
             <a:pPr lvl="1"/>
             <a:r>
-              <a:rPr lang="en-GB" dirty="0" smtClean="0"/>
+              <a:rPr lang="en-GB" dirty="0"/>
               <a:t>Select </a:t>
             </a:r>
             <a:r>
-              <a:rPr lang="en-GB" u="sng" dirty="0" smtClean="0"/>
+              <a:rPr lang="en-GB" u="sng" dirty="0"/>
               <a:t>Tools</a:t>
             </a:r>
             <a:r>
-              <a:rPr lang="en-GB" dirty="0" smtClean="0"/>
+              <a:rPr lang="en-GB" dirty="0"/>
               <a:t> -&gt; </a:t>
             </a:r>
             <a:r>
-              <a:rPr lang="en-GB" u="sng" dirty="0" smtClean="0"/>
+              <a:rPr lang="en-GB" u="sng" dirty="0"/>
               <a:t>Python Integrated Tools.</a:t>
             </a:r>
           </a:p>
           <a:p>
             <a:pPr lvl="1"/>
             <a:r>
-              <a:rPr lang="en-GB" dirty="0" smtClean="0"/>
+              <a:rPr lang="en-GB" dirty="0"/>
               <a:t>Set the </a:t>
             </a:r>
             <a:r>
-              <a:rPr lang="en-GB" u="sng" dirty="0" smtClean="0"/>
+              <a:rPr lang="en-GB" u="sng" dirty="0"/>
               <a:t>Default Test Runner</a:t>
             </a:r>
             <a:r>
-              <a:rPr lang="en-GB" dirty="0" smtClean="0"/>
+              <a:rPr lang="en-GB" dirty="0"/>
               <a:t> to "</a:t>
             </a:r>
             <a:r>
-              <a:rPr lang="en-GB" u="sng" dirty="0" err="1" smtClean="0"/>
+              <a:rPr lang="en-GB" u="sng" dirty="0" err="1"/>
               <a:t>py.test</a:t>
             </a:r>
             <a:r>
-              <a:rPr lang="en-GB" dirty="0" smtClean="0"/>
+              <a:rPr lang="en-GB" dirty="0"/>
               <a:t>".</a:t>
             </a:r>
           </a:p>
           <a:p>
             <a:pPr lvl="1"/>
             <a:r>
-              <a:rPr lang="en-GB" dirty="0" err="1" smtClean="0"/>
+              <a:rPr lang="en-GB" dirty="0" err="1"/>
               <a:t>Pycharm</a:t>
             </a:r>
             <a:r>
-              <a:rPr lang="en-GB" dirty="0" smtClean="0"/>
+              <a:rPr lang="en-GB" dirty="0"/>
               <a:t> will tell you </a:t>
             </a:r>
             <a:r>
-              <a:rPr lang="en-GB" dirty="0" err="1" smtClean="0"/>
+              <a:rPr lang="en-GB" dirty="0" err="1"/>
               <a:t>py.test</a:t>
             </a:r>
             <a:r>
-              <a:rPr lang="en-GB" dirty="0" smtClean="0"/>
+              <a:rPr lang="en-GB" dirty="0"/>
               <a:t> installed </a:t>
             </a:r>
             <a:r>
-              <a:rPr lang="en-GB" dirty="0" err="1" smtClean="0"/>
+              <a:rPr lang="en-GB" dirty="0" err="1"/>
               <a:t>installed</a:t>
             </a:r>
             <a:r>
-              <a:rPr lang="en-GB" dirty="0" smtClean="0"/>
+              <a:rPr lang="en-GB" dirty="0"/>
               <a:t>, and offer a "Fix" button. Click it.</a:t>
             </a:r>
-            <a:endParaRPr lang="en-GB" dirty="0"/>
           </a:p>
         </p:txBody>
       </p:sp>
@@ -6354,13 +6344,6 @@
   <p:clrMapOvr>
     <a:masterClrMapping/>
   </p:clrMapOvr>
-  <p:timing>
-    <p:tnLst>
-      <p:par>
-        <p:cTn id="1" dur="indefinite" restart="never" nodeType="tmRoot"/>
-      </p:par>
-    </p:tnLst>
-  </p:timing>
 </p:sld>
 </file>
 
@@ -6397,10 +6380,9 @@
           <a:lstStyle/>
           <a:p>
             <a:r>
-              <a:rPr lang="en-GB" dirty="0" smtClean="0"/>
+              <a:rPr lang="en-GB" dirty="0"/>
               <a:t>Step2: Writing test_ functions.</a:t>
             </a:r>
-            <a:endParaRPr lang="en-GB" dirty="0"/>
           </a:p>
         </p:txBody>
       </p:sp>
@@ -6427,7 +6409,7 @@
           <a:lstStyle/>
           <a:p>
             <a:r>
-              <a:rPr lang="en-GB" dirty="0" smtClean="0"/>
+              <a:rPr lang="en-GB" dirty="0"/>
               <a:t>You already wrote a program in example3 that did this, but we are going to write a new one.</a:t>
             </a:r>
           </a:p>
@@ -6436,13 +6418,13 @@
           </a:p>
           <a:p>
             <a:r>
-              <a:rPr lang="en-GB" dirty="0" smtClean="0"/>
+              <a:rPr lang="en-GB" dirty="0"/>
               <a:t>Note this program doesn't do anything !</a:t>
             </a:r>
           </a:p>
           <a:p>
             <a:r>
-              <a:rPr lang="en-GB" dirty="0" smtClean="0"/>
+              <a:rPr lang="en-GB" dirty="0"/>
               <a:t>It is just functions and tests.</a:t>
             </a:r>
           </a:p>
@@ -6451,7 +6433,7 @@
           </a:p>
           <a:p>
             <a:r>
-              <a:rPr lang="en-GB" dirty="0" smtClean="0">
+              <a:rPr lang="en-GB" dirty="0">
                 <a:solidFill>
                   <a:srgbClr val="FFFF00"/>
                 </a:solidFill>
@@ -6461,18 +6443,13 @@
           </a:p>
           <a:p>
             <a:r>
-              <a:rPr lang="en-GB" dirty="0" smtClean="0">
+              <a:rPr lang="en-GB" dirty="0">
                 <a:solidFill>
                   <a:srgbClr val="FFFF00"/>
                 </a:solidFill>
               </a:rPr>
               <a:t>Then run the tests in it as explained in the previous slides.</a:t>
             </a:r>
-            <a:endParaRPr lang="en-GB" dirty="0">
-              <a:solidFill>
-                <a:srgbClr val="FFFF00"/>
-              </a:solidFill>
-            </a:endParaRPr>
           </a:p>
         </p:txBody>
       </p:sp>
@@ -6498,18 +6475,11 @@
           <a:lstStyle/>
           <a:p>
             <a:r>
-              <a:rPr lang="en-GB" sz="1600" dirty="0" smtClean="0">
-                <a:latin typeface="Courier New" panose="02070309020205020404" pitchFamily="49" charset="0"/>
-                <a:cs typeface="Courier New" panose="02070309020205020404" pitchFamily="49" charset="0"/>
-              </a:rPr>
-              <a:t># </a:t>
-            </a:r>
-            <a:r>
               <a:rPr lang="en-GB" sz="1600" dirty="0">
                 <a:latin typeface="Courier New" panose="02070309020205020404" pitchFamily="49" charset="0"/>
                 <a:cs typeface="Courier New" panose="02070309020205020404" pitchFamily="49" charset="0"/>
               </a:rPr>
-              <a:t>Week10, Example4</a:t>
+              <a:t># Week10, Example4</a:t>
             </a:r>
           </a:p>
           <a:p>
@@ -6800,13 +6770,6 @@
   <p:clrMapOvr>
     <a:masterClrMapping/>
   </p:clrMapOvr>
-  <p:timing>
-    <p:tnLst>
-      <p:par>
-        <p:cTn id="1" dur="indefinite" restart="never" nodeType="tmRoot"/>
-      </p:par>
-    </p:tnLst>
-  </p:timing>
 </p:sld>
 </file>
 
@@ -6843,18 +6806,17 @@
           <a:lstStyle/>
           <a:p>
             <a:r>
-              <a:rPr lang="en-GB" dirty="0" smtClean="0"/>
+              <a:rPr lang="en-GB" dirty="0"/>
               <a:t>Step3: Running it with </a:t>
             </a:r>
             <a:r>
-              <a:rPr lang="en-GB" dirty="0" err="1" smtClean="0"/>
+              <a:rPr lang="en-GB" dirty="0" err="1"/>
               <a:t>Pycharm</a:t>
             </a:r>
             <a:r>
-              <a:rPr lang="en-GB" dirty="0" smtClean="0"/>
+              <a:rPr lang="en-GB" dirty="0"/>
               <a:t>.</a:t>
             </a:r>
-            <a:endParaRPr lang="en-GB" dirty="0"/>
           </a:p>
         </p:txBody>
       </p:sp>
@@ -6879,11 +6841,11 @@
           <a:lstStyle/>
           <a:p>
             <a:r>
-              <a:rPr lang="en-GB" dirty="0" smtClean="0"/>
+              <a:rPr lang="en-GB" dirty="0"/>
               <a:t>With your program selected, select Run </a:t>
             </a:r>
             <a:r>
-              <a:rPr lang="en-GB" dirty="0" smtClean="0">
+              <a:rPr lang="en-GB" dirty="0">
                 <a:sym typeface="Wingdings" panose="05000000000000000000" pitchFamily="2" charset="2"/>
               </a:rPr>
               <a:t> Run… on the menu.</a:t>
@@ -6891,34 +6853,34 @@
           </a:p>
           <a:p>
             <a:r>
-              <a:rPr lang="en-GB" dirty="0" smtClean="0"/>
+              <a:rPr lang="en-GB" dirty="0"/>
               <a:t>The menu that pops up will have two options.</a:t>
             </a:r>
           </a:p>
           <a:p>
             <a:r>
-              <a:rPr lang="en-GB" dirty="0" smtClean="0"/>
+              <a:rPr lang="en-GB" dirty="0"/>
               <a:t>The first (week10_example3) here will run the program normally.</a:t>
             </a:r>
           </a:p>
           <a:p>
             <a:r>
-              <a:rPr lang="en-GB" dirty="0" smtClean="0"/>
+              <a:rPr lang="en-GB" dirty="0"/>
               <a:t>The second (</a:t>
             </a:r>
             <a:r>
-              <a:rPr lang="en-GB" dirty="0" err="1" smtClean="0"/>
+              <a:rPr lang="en-GB" dirty="0" err="1"/>
               <a:t>py.test</a:t>
             </a:r>
             <a:r>
-              <a:rPr lang="en-GB" dirty="0" smtClean="0"/>
+              <a:rPr lang="en-GB" dirty="0"/>
               <a:t> in week10_example3) will run all the tests in </a:t>
             </a:r>
             <a:r>
-              <a:rPr lang="en-GB" smtClean="0"/>
+              <a:rPr lang="en-GB"/>
               <a:t>your program.</a:t>
             </a:r>
-            <a:endParaRPr lang="en-GB" dirty="0" smtClean="0"/>
+            <a:endParaRPr lang="en-GB" dirty="0"/>
           </a:p>
         </p:txBody>
       </p:sp>
@@ -6980,13 +6942,6 @@
   <p:clrMapOvr>
     <a:masterClrMapping/>
   </p:clrMapOvr>
-  <p:timing>
-    <p:tnLst>
-      <p:par>
-        <p:cTn id="1" dur="indefinite" restart="never" nodeType="tmRoot"/>
-      </p:par>
-    </p:tnLst>
-  </p:timing>
 </p:sld>
 </file>
 
@@ -7023,10 +6978,9 @@
           <a:lstStyle/>
           <a:p>
             <a:r>
-              <a:rPr lang="en-GB" dirty="0" smtClean="0"/>
+              <a:rPr lang="en-GB" dirty="0"/>
               <a:t>Understanding the output.</a:t>
             </a:r>
-            <a:endParaRPr lang="en-GB" dirty="0"/>
           </a:p>
         </p:txBody>
       </p:sp>
@@ -7396,7 +7350,7 @@
               <a:buChar char="•"/>
             </a:pPr>
             <a:r>
-              <a:rPr lang="en-GB" dirty="0" smtClean="0"/>
+              <a:rPr lang="en-GB" dirty="0"/>
               <a:t>Skip to the "FAILURES" section.</a:t>
             </a:r>
           </a:p>
@@ -7413,7 +7367,7 @@
               <a:buChar char="•"/>
             </a:pPr>
             <a:r>
-              <a:rPr lang="en-GB" dirty="0" smtClean="0"/>
+              <a:rPr lang="en-GB" dirty="0"/>
               <a:t>It shows each test that failed.</a:t>
             </a:r>
           </a:p>
@@ -7423,7 +7377,7 @@
               <a:buChar char="•"/>
             </a:pPr>
             <a:r>
-              <a:rPr lang="en-GB" dirty="0" smtClean="0"/>
+              <a:rPr lang="en-GB" dirty="0"/>
               <a:t>It also shows the reason the test failed.</a:t>
             </a:r>
           </a:p>
@@ -7440,15 +7394,15 @@
               <a:buChar char="•"/>
             </a:pPr>
             <a:r>
-              <a:rPr lang="en-GB" dirty="0" smtClean="0"/>
+              <a:rPr lang="en-GB" dirty="0"/>
               <a:t>Here we see </a:t>
             </a:r>
             <a:r>
-              <a:rPr lang="en-GB" dirty="0" err="1" smtClean="0"/>
+              <a:rPr lang="en-GB" dirty="0" err="1"/>
               <a:t>test_add_fails</a:t>
             </a:r>
             <a:r>
-              <a:rPr lang="en-GB" dirty="0" smtClean="0"/>
+              <a:rPr lang="en-GB" dirty="0"/>
               <a:t>() failed because we tried to assert 5 == 4, which it doesn't.</a:t>
             </a:r>
           </a:p>
@@ -7465,15 +7419,15 @@
               <a:buChar char="•"/>
             </a:pPr>
             <a:r>
-              <a:rPr lang="en-GB" dirty="0" smtClean="0"/>
+              <a:rPr lang="en-GB" dirty="0"/>
               <a:t>We also see </a:t>
             </a:r>
             <a:r>
-              <a:rPr lang="en-GB" dirty="0" err="1" smtClean="0"/>
+              <a:rPr lang="en-GB" dirty="0" err="1"/>
               <a:t>test_multiplay_fails</a:t>
             </a:r>
             <a:r>
-              <a:rPr lang="en-GB" dirty="0" smtClean="0"/>
+              <a:rPr lang="en-GB" dirty="0"/>
               <a:t>() failed because we tried to assert 6 == 4, which it doesn't.</a:t>
             </a:r>
           </a:p>
@@ -7490,11 +7444,11 @@
               <a:buChar char="•"/>
             </a:pPr>
             <a:r>
-              <a:rPr lang="en-GB" dirty="0" smtClean="0"/>
+              <a:rPr lang="en-GB" dirty="0"/>
               <a:t>Finally, it shows the total number of tests that failed and </a:t>
             </a:r>
             <a:r>
-              <a:rPr lang="en-GB" smtClean="0"/>
+              <a:rPr lang="en-GB"/>
               <a:t>tests that passed.</a:t>
             </a:r>
             <a:endParaRPr lang="en-GB" dirty="0"/>
@@ -7511,13 +7465,6 @@
   <p:clrMapOvr>
     <a:masterClrMapping/>
   </p:clrMapOvr>
-  <p:timing>
-    <p:tnLst>
-      <p:par>
-        <p:cTn id="1" dur="indefinite" restart="never" nodeType="tmRoot"/>
-      </p:par>
-    </p:tnLst>
-  </p:timing>
 </p:sld>
 </file>
 
@@ -7554,10 +7501,9 @@
           <a:lstStyle/>
           <a:p>
             <a:r>
-              <a:rPr lang="en-GB" dirty="0" smtClean="0"/>
+              <a:rPr lang="en-GB" dirty="0"/>
               <a:t>Removing the deliberate failures.</a:t>
             </a:r>
-            <a:endParaRPr lang="en-GB" dirty="0"/>
           </a:p>
         </p:txBody>
       </p:sp>
@@ -7587,18 +7533,11 @@
               <a:buNone/>
             </a:pPr>
             <a:r>
-              <a:rPr lang="en-GB" dirty="0" smtClean="0">
-                <a:latin typeface="Courier New" panose="02070309020205020404" pitchFamily="49" charset="0"/>
-                <a:cs typeface="Courier New" panose="02070309020205020404" pitchFamily="49" charset="0"/>
-              </a:rPr>
-              <a:t># </a:t>
-            </a:r>
-            <a:r>
               <a:rPr lang="en-GB" dirty="0">
                 <a:latin typeface="Courier New" panose="02070309020205020404" pitchFamily="49" charset="0"/>
                 <a:cs typeface="Courier New" panose="02070309020205020404" pitchFamily="49" charset="0"/>
               </a:rPr>
-              <a:t>Week10, Example5</a:t>
+              <a:t># Week10, Example5</a:t>
             </a:r>
           </a:p>
           <a:p>
@@ -7855,7 +7794,7 @@
               <a:buChar char="•"/>
             </a:pPr>
             <a:r>
-              <a:rPr lang="en-GB" dirty="0" smtClean="0"/>
+              <a:rPr lang="en-GB" dirty="0"/>
               <a:t>Nobody likes to fail !</a:t>
             </a:r>
           </a:p>
@@ -7864,7 +7803,7 @@
               <a:buFont typeface="Arial" panose="020B0604020202020204" pitchFamily="34" charset="0"/>
               <a:buChar char="•"/>
             </a:pPr>
-            <a:endParaRPr lang="en-GB" dirty="0" smtClean="0"/>
+            <a:endParaRPr lang="en-GB" dirty="0"/>
           </a:p>
           <a:p>
             <a:pPr marL="285750" indent="-285750">
@@ -7872,7 +7811,7 @@
               <a:buChar char="•"/>
             </a:pPr>
             <a:r>
-              <a:rPr lang="en-GB" dirty="0" smtClean="0"/>
+              <a:rPr lang="en-GB" dirty="0"/>
               <a:t>But without failures, you wouldn't have been able to see how this works.</a:t>
             </a:r>
           </a:p>
@@ -7889,14 +7828,9 @@
               <a:buChar char="•"/>
             </a:pPr>
             <a:r>
-              <a:rPr lang="en-GB" dirty="0" smtClean="0"/>
-              <a:t>So now lets remove the deliberate failures from the last program and repeat the tests</a:t>
-            </a:r>
-            <a:r>
-              <a:rPr lang="en-GB" dirty="0" smtClean="0"/>
-              <a:t>.</a:t>
-            </a:r>
-            <a:endParaRPr lang="en-GB" dirty="0"/>
+              <a:rPr lang="en-GB" dirty="0"/>
+              <a:t>So now lets remove the deliberate failures from the last program and repeat the tests.</a:t>
+            </a:r>
           </a:p>
         </p:txBody>
       </p:sp>
@@ -7910,13 +7844,6 @@
   <p:clrMapOvr>
     <a:masterClrMapping/>
   </p:clrMapOvr>
-  <p:timing>
-    <p:tnLst>
-      <p:par>
-        <p:cTn id="1" dur="indefinite" restart="never" nodeType="tmRoot"/>
-      </p:par>
-    </p:tnLst>
-  </p:timing>
 </p:sld>
 </file>
 
@@ -7958,14 +7885,9 @@
           <a:lstStyle/>
           <a:p>
             <a:r>
-              <a:rPr lang="en-GB" dirty="0" smtClean="0"/>
-              <a:t>Understanding the </a:t>
-            </a:r>
-            <a:r>
-              <a:rPr lang="en-GB" dirty="0" smtClean="0"/>
-              <a:t>no failure output.</a:t>
-            </a:r>
-            <a:endParaRPr lang="en-GB" dirty="0"/>
+              <a:rPr lang="en-GB" dirty="0"/>
+              <a:t>Understanding the no failure output.</a:t>
+            </a:r>
           </a:p>
         </p:txBody>
       </p:sp>
@@ -7995,26 +7917,62 @@
               <a:buNone/>
             </a:pPr>
             <a:r>
-              <a:rPr lang="en-GB" sz="1050" dirty="0" smtClean="0">
-                <a:latin typeface="Courier New" panose="02070309020205020404" pitchFamily="49" charset="0"/>
-                <a:cs typeface="Courier New" panose="02070309020205020404" pitchFamily="49" charset="0"/>
-              </a:rPr>
-              <a:t>=========== </a:t>
-            </a:r>
-            <a:r>
               <a:rPr lang="en-GB" sz="1050" dirty="0">
                 <a:latin typeface="Courier New" panose="02070309020205020404" pitchFamily="49" charset="0"/>
                 <a:cs typeface="Courier New" panose="02070309020205020404" pitchFamily="49" charset="0"/>
               </a:rPr>
-              <a:t>test session starts </a:t>
-            </a:r>
-            <a:r>
-              <a:rPr lang="en-GB" sz="1050" dirty="0" smtClean="0">
-                <a:latin typeface="Courier New" panose="02070309020205020404" pitchFamily="49" charset="0"/>
-                <a:cs typeface="Courier New" panose="02070309020205020404" pitchFamily="49" charset="0"/>
-              </a:rPr>
-              <a:t>=======</a:t>
-            </a:r>
+              <a:t>=========== test session starts =======</a:t>
+            </a:r>
+          </a:p>
+          <a:p>
+            <a:pPr marL="0" indent="0">
+              <a:buNone/>
+            </a:pPr>
+            <a:r>
+              <a:rPr lang="en-GB" sz="1050" dirty="0">
+                <a:latin typeface="Courier New" panose="02070309020205020404" pitchFamily="49" charset="0"/>
+                <a:cs typeface="Courier New" panose="02070309020205020404" pitchFamily="49" charset="0"/>
+              </a:rPr>
+              <a:t>platform win32 -- Python 3.6.3, pytest-3.6.2, py-1.5.4, pluggy-0.6.0</a:t>
+            </a:r>
+          </a:p>
+          <a:p>
+            <a:pPr marL="0" indent="0">
+              <a:buNone/>
+            </a:pPr>
+            <a:r>
+              <a:rPr lang="en-GB" sz="1050" dirty="0" err="1">
+                <a:latin typeface="Courier New" panose="02070309020205020404" pitchFamily="49" charset="0"/>
+                <a:cs typeface="Courier New" panose="02070309020205020404" pitchFamily="49" charset="0"/>
+              </a:rPr>
+              <a:t>rootdir</a:t>
+            </a:r>
+            <a:r>
+              <a:rPr lang="en-GB" sz="1050" dirty="0">
+                <a:latin typeface="Courier New" panose="02070309020205020404" pitchFamily="49" charset="0"/>
+                <a:cs typeface="Courier New" panose="02070309020205020404" pitchFamily="49" charset="0"/>
+              </a:rPr>
+              <a:t>: C:\Users\dave\PycharmProjects\DGM\week10\examples, </a:t>
+            </a:r>
+            <a:r>
+              <a:rPr lang="en-GB" sz="1050" dirty="0" err="1">
+                <a:latin typeface="Courier New" panose="02070309020205020404" pitchFamily="49" charset="0"/>
+                <a:cs typeface="Courier New" panose="02070309020205020404" pitchFamily="49" charset="0"/>
+              </a:rPr>
+              <a:t>inifile:collected</a:t>
+            </a:r>
+            <a:r>
+              <a:rPr lang="en-GB" sz="1050" dirty="0">
+                <a:latin typeface="Courier New" panose="02070309020205020404" pitchFamily="49" charset="0"/>
+                <a:cs typeface="Courier New" panose="02070309020205020404" pitchFamily="49" charset="0"/>
+              </a:rPr>
+              <a:t> 2 items</a:t>
+            </a:r>
+          </a:p>
+          <a:p>
+            <a:pPr marL="0" indent="0">
+              <a:buNone/>
+            </a:pPr>
             <a:endParaRPr lang="en-GB" sz="1050" dirty="0">
               <a:latin typeface="Courier New" panose="02070309020205020404" pitchFamily="49" charset="0"/>
               <a:cs typeface="Courier New" panose="02070309020205020404" pitchFamily="49" charset="0"/>
@@ -8029,40 +7987,7 @@
                 <a:latin typeface="Courier New" panose="02070309020205020404" pitchFamily="49" charset="0"/>
                 <a:cs typeface="Courier New" panose="02070309020205020404" pitchFamily="49" charset="0"/>
               </a:rPr>
-              <a:t>platform win32 -- Python 3.6.3, pytest-3.6.2, py-1.5.4, pluggy-0.6.0</a:t>
-            </a:r>
-          </a:p>
-          <a:p>
-            <a:pPr marL="0" indent="0">
-              <a:buNone/>
-            </a:pPr>
-            <a:r>
-              <a:rPr lang="en-GB" sz="1050" dirty="0" err="1">
-                <a:latin typeface="Courier New" panose="02070309020205020404" pitchFamily="49" charset="0"/>
-                <a:cs typeface="Courier New" panose="02070309020205020404" pitchFamily="49" charset="0"/>
-              </a:rPr>
-              <a:t>rootdir</a:t>
-            </a:r>
-            <a:r>
-              <a:rPr lang="en-GB" sz="1050" dirty="0">
-                <a:latin typeface="Courier New" panose="02070309020205020404" pitchFamily="49" charset="0"/>
-                <a:cs typeface="Courier New" panose="02070309020205020404" pitchFamily="49" charset="0"/>
-              </a:rPr>
-              <a:t>: C:\Users\dave\PycharmProjects\DGM\week10\examples, </a:t>
-            </a:r>
-            <a:r>
-              <a:rPr lang="en-GB" sz="1050" dirty="0" err="1">
-                <a:latin typeface="Courier New" panose="02070309020205020404" pitchFamily="49" charset="0"/>
-                <a:cs typeface="Courier New" panose="02070309020205020404" pitchFamily="49" charset="0"/>
-              </a:rPr>
-              <a:t>inifile:collected</a:t>
-            </a:r>
-            <a:r>
-              <a:rPr lang="en-GB" sz="1050" dirty="0">
-                <a:latin typeface="Courier New" panose="02070309020205020404" pitchFamily="49" charset="0"/>
-                <a:cs typeface="Courier New" panose="02070309020205020404" pitchFamily="49" charset="0"/>
-              </a:rPr>
-              <a:t> 2 items</a:t>
+              <a:t>week10_example5.py ..                                                    [100%]</a:t>
             </a:r>
           </a:p>
           <a:p>
@@ -8083,47 +8008,8 @@
                 <a:latin typeface="Courier New" panose="02070309020205020404" pitchFamily="49" charset="0"/>
                 <a:cs typeface="Courier New" panose="02070309020205020404" pitchFamily="49" charset="0"/>
               </a:rPr>
-              <a:t>week10_example5.py ..                                                    [100%]</a:t>
-            </a:r>
-          </a:p>
-          <a:p>
-            <a:pPr marL="0" indent="0">
-              <a:buNone/>
-            </a:pPr>
-            <a:endParaRPr lang="en-GB" sz="1050" dirty="0">
-              <a:latin typeface="Courier New" panose="02070309020205020404" pitchFamily="49" charset="0"/>
-              <a:cs typeface="Courier New" panose="02070309020205020404" pitchFamily="49" charset="0"/>
-            </a:endParaRPr>
-          </a:p>
-          <a:p>
-            <a:pPr marL="0" indent="0">
-              <a:buNone/>
-            </a:pPr>
-            <a:r>
-              <a:rPr lang="en-GB" sz="1050" dirty="0" smtClean="0">
-                <a:latin typeface="Courier New" panose="02070309020205020404" pitchFamily="49" charset="0"/>
-                <a:cs typeface="Courier New" panose="02070309020205020404" pitchFamily="49" charset="0"/>
-              </a:rPr>
-              <a:t>========= </a:t>
-            </a:r>
-            <a:r>
-              <a:rPr lang="en-GB" sz="1050" dirty="0">
-                <a:latin typeface="Courier New" panose="02070309020205020404" pitchFamily="49" charset="0"/>
-                <a:cs typeface="Courier New" panose="02070309020205020404" pitchFamily="49" charset="0"/>
-              </a:rPr>
-              <a:t>2 passed in 0.03 seconds </a:t>
-            </a:r>
-            <a:r>
-              <a:rPr lang="en-GB" sz="1050" dirty="0" smtClean="0">
-                <a:latin typeface="Courier New" panose="02070309020205020404" pitchFamily="49" charset="0"/>
-                <a:cs typeface="Courier New" panose="02070309020205020404" pitchFamily="49" charset="0"/>
-              </a:rPr>
-              <a:t>======</a:t>
-            </a:r>
-            <a:endParaRPr lang="en-GB" sz="1050" dirty="0">
-              <a:latin typeface="Courier New" panose="02070309020205020404" pitchFamily="49" charset="0"/>
-              <a:cs typeface="Courier New" panose="02070309020205020404" pitchFamily="49" charset="0"/>
-            </a:endParaRPr>
+              <a:t>========= 2 passed in 0.03 seconds ======</a:t>
+            </a:r>
           </a:p>
         </p:txBody>
       </p:sp>
@@ -8154,12 +8040,8 @@
               <a:buChar char="•"/>
             </a:pPr>
             <a:r>
-              <a:rPr lang="en-GB" dirty="0" smtClean="0"/>
-              <a:t>Here there is no "</a:t>
-            </a:r>
-            <a:r>
-              <a:rPr lang="en-GB" dirty="0" smtClean="0"/>
-              <a:t>FAILURES" section.</a:t>
+              <a:rPr lang="en-GB" dirty="0"/>
+              <a:t>Here there is no "FAILURES" section.</a:t>
             </a:r>
           </a:p>
           <a:p>
@@ -8175,10 +8057,9 @@
               <a:buChar char="•"/>
             </a:pPr>
             <a:r>
-              <a:rPr lang="en-GB" dirty="0" smtClean="0"/>
+              <a:rPr lang="en-GB" dirty="0"/>
               <a:t>Here we just get to see all two tests passed, and it took 0.03 seconds to do it.</a:t>
             </a:r>
-            <a:endParaRPr lang="en-GB" dirty="0"/>
           </a:p>
         </p:txBody>
       </p:sp>
@@ -8192,13 +8073,6 @@
   <p:clrMapOvr>
     <a:masterClrMapping/>
   </p:clrMapOvr>
-  <p:timing>
-    <p:tnLst>
-      <p:par>
-        <p:cTn id="1" dur="indefinite" restart="never" nodeType="tmRoot"/>
-      </p:par>
-    </p:tnLst>
-  </p:timing>
 </p:sld>
 </file>
 
@@ -8240,10 +8114,9 @@
           <a:lstStyle/>
           <a:p>
             <a:r>
-              <a:rPr lang="en-GB" dirty="0" smtClean="0"/>
+              <a:rPr lang="en-GB" dirty="0"/>
               <a:t>Coverage.</a:t>
             </a:r>
-            <a:endParaRPr lang="en-GB" dirty="0"/>
           </a:p>
         </p:txBody>
       </p:sp>
@@ -8298,13 +8171,6 @@
   <p:clrMapOvr>
     <a:masterClrMapping/>
   </p:clrMapOvr>
-  <p:timing>
-    <p:tnLst>
-      <p:par>
-        <p:cTn id="1" dur="indefinite" restart="never" nodeType="tmRoot"/>
-      </p:par>
-    </p:tnLst>
-  </p:timing>
 </p:sld>
 </file>
 
@@ -8346,10 +8212,9 @@
           <a:lstStyle/>
           <a:p>
             <a:r>
-              <a:rPr lang="en-GB" dirty="0" smtClean="0"/>
+              <a:rPr lang="en-GB" dirty="0"/>
               <a:t>What is coverage ?</a:t>
             </a:r>
-            <a:endParaRPr lang="en-GB" dirty="0"/>
           </a:p>
         </p:txBody>
       </p:sp>
@@ -8380,7 +8245,7 @@
               <a:buChar char="•"/>
             </a:pPr>
             <a:r>
-              <a:rPr lang="en-GB" dirty="0" smtClean="0"/>
+              <a:rPr lang="en-GB" dirty="0"/>
               <a:t>Coverage is the idea of how much of your program is covered by tests.</a:t>
             </a:r>
           </a:p>
@@ -8397,7 +8262,7 @@
               <a:buChar char="•"/>
             </a:pPr>
             <a:r>
-              <a:rPr lang="en-GB" dirty="0" smtClean="0"/>
+              <a:rPr lang="en-GB" dirty="0"/>
               <a:t>Ideally you want 100% coverage, but that isn't always possible or practical.</a:t>
             </a:r>
           </a:p>
@@ -8414,7 +8279,7 @@
               <a:buChar char="•"/>
             </a:pPr>
             <a:r>
-              <a:rPr lang="en-GB" dirty="0" smtClean="0"/>
+              <a:rPr lang="en-GB" dirty="0"/>
               <a:t>Coverage requires another python module installed, called (unsurprisingly), coverage.</a:t>
             </a:r>
           </a:p>
@@ -8431,7 +8296,7 @@
               <a:buChar char="•"/>
             </a:pPr>
             <a:r>
-              <a:rPr lang="en-GB" dirty="0" smtClean="0">
+              <a:rPr lang="en-GB" dirty="0">
                 <a:solidFill>
                   <a:srgbClr val="FFFF00"/>
                 </a:solidFill>
@@ -8452,10 +8317,9 @@
               <a:buChar char="•"/>
             </a:pPr>
             <a:r>
-              <a:rPr lang="en-GB" dirty="0" smtClean="0"/>
+              <a:rPr lang="en-GB" dirty="0"/>
               <a:t>Then, lets see how it works.</a:t>
             </a:r>
-            <a:endParaRPr lang="en-GB" dirty="0"/>
           </a:p>
         </p:txBody>
       </p:sp>
@@ -8469,13 +8333,6 @@
   <p:clrMapOvr>
     <a:masterClrMapping/>
   </p:clrMapOvr>
-  <p:timing>
-    <p:tnLst>
-      <p:par>
-        <p:cTn id="1" dur="indefinite" restart="never" nodeType="tmRoot"/>
-      </p:par>
-    </p:tnLst>
-  </p:timing>
 </p:sld>
 </file>
 
@@ -8517,10 +8374,9 @@
           <a:lstStyle/>
           <a:p>
             <a:r>
-              <a:rPr lang="en-GB" dirty="0" smtClean="0"/>
+              <a:rPr lang="en-GB" dirty="0"/>
               <a:t>An example program with incomplete coverage.</a:t>
             </a:r>
-            <a:endParaRPr lang="en-GB" dirty="0"/>
           </a:p>
         </p:txBody>
       </p:sp>
@@ -8545,13 +8401,13 @@
           <a:lstStyle/>
           <a:p>
             <a:r>
-              <a:rPr lang="en-GB" dirty="0" smtClean="0"/>
+              <a:rPr lang="en-GB" dirty="0"/>
               <a:t>This program has tests for add() and subtract()</a:t>
             </a:r>
           </a:p>
           <a:p>
             <a:r>
-              <a:rPr lang="en-GB" dirty="0" smtClean="0"/>
+              <a:rPr lang="en-GB" dirty="0"/>
               <a:t>But not for multiply()</a:t>
             </a:r>
           </a:p>
@@ -8560,18 +8416,13 @@
           </a:p>
           <a:p>
             <a:r>
-              <a:rPr lang="en-GB" dirty="0" smtClean="0">
+              <a:rPr lang="en-GB" dirty="0">
                 <a:solidFill>
                   <a:srgbClr val="FFFF00"/>
                 </a:solidFill>
               </a:rPr>
               <a:t>Type it in, and we will run coverage on it on the next slide.</a:t>
             </a:r>
-            <a:endParaRPr lang="en-GB" dirty="0">
-              <a:solidFill>
-                <a:srgbClr val="FFFF00"/>
-              </a:solidFill>
-            </a:endParaRPr>
           </a:p>
         </p:txBody>
       </p:sp>
@@ -9138,10 +8989,9 @@
           <a:lstStyle/>
           <a:p>
             <a:r>
-              <a:rPr lang="en-GB" dirty="0" smtClean="0"/>
+              <a:rPr lang="en-GB" dirty="0"/>
               <a:t>An incomplete coverage example.</a:t>
             </a:r>
-            <a:endParaRPr lang="en-GB" dirty="0"/>
           </a:p>
         </p:txBody>
       </p:sp>
@@ -9172,7 +9022,7 @@
               <a:buChar char="•"/>
             </a:pPr>
             <a:r>
-              <a:rPr lang="en-GB" dirty="0" smtClean="0"/>
+              <a:rPr lang="en-GB" dirty="0"/>
               <a:t>This program has incomplete coverage.</a:t>
             </a:r>
           </a:p>
@@ -9189,7 +9039,7 @@
               <a:buChar char="•"/>
             </a:pPr>
             <a:r>
-              <a:rPr lang="en-GB" dirty="0" smtClean="0"/>
+              <a:rPr lang="en-GB" dirty="0"/>
               <a:t>add() and multiply() have tests, but subtract() does not.</a:t>
             </a:r>
           </a:p>
@@ -9206,18 +9056,17 @@
               <a:buChar char="•"/>
             </a:pPr>
             <a:r>
-              <a:rPr lang="en-GB" dirty="0" smtClean="0"/>
+              <a:rPr lang="en-GB" dirty="0"/>
               <a:t>If you select "Run with Coverage", as in the screenshot, you can get help from </a:t>
             </a:r>
             <a:r>
-              <a:rPr lang="en-GB" dirty="0" err="1" smtClean="0"/>
+              <a:rPr lang="en-GB" dirty="0" err="1"/>
               <a:t>PyCharm</a:t>
             </a:r>
             <a:r>
-              <a:rPr lang="en-GB" dirty="0" smtClean="0"/>
+              <a:rPr lang="en-GB" dirty="0"/>
               <a:t> with coverage.</a:t>
             </a:r>
-            <a:endParaRPr lang="en-GB" dirty="0" smtClean="0"/>
           </a:p>
           <a:p>
             <a:pPr marL="285750" indent="-285750">
@@ -9269,13 +9118,6 @@
   <p:clrMapOvr>
     <a:masterClrMapping/>
   </p:clrMapOvr>
-  <p:timing>
-    <p:tnLst>
-      <p:par>
-        <p:cTn id="1" dur="indefinite" restart="never" nodeType="tmRoot"/>
-      </p:par>
-    </p:tnLst>
-  </p:timing>
 </p:sld>
 </file>
 
@@ -9312,10 +9154,9 @@
           <a:lstStyle/>
           <a:p>
             <a:r>
-              <a:rPr lang="en-GB" dirty="0" smtClean="0"/>
+              <a:rPr lang="en-GB" dirty="0"/>
               <a:t>Goals of this week.</a:t>
             </a:r>
-            <a:endParaRPr lang="en-GB" dirty="0"/>
           </a:p>
         </p:txBody>
       </p:sp>
@@ -9342,29 +9183,29 @@
           <a:lstStyle/>
           <a:p>
             <a:r>
-              <a:rPr lang="en-GB" dirty="0" smtClean="0"/>
+              <a:rPr lang="en-GB" dirty="0"/>
               <a:t>Learn about software testing.</a:t>
             </a:r>
           </a:p>
           <a:p>
             <a:r>
-              <a:rPr lang="en-GB" dirty="0" smtClean="0"/>
+              <a:rPr lang="en-GB" dirty="0"/>
               <a:t>Learn about test driven development as a methodology.</a:t>
             </a:r>
           </a:p>
           <a:p>
             <a:r>
-              <a:rPr lang="en-GB" dirty="0" smtClean="0"/>
+              <a:rPr lang="en-GB" dirty="0"/>
               <a:t>Implement it using </a:t>
             </a:r>
             <a:r>
-              <a:rPr lang="en-GB" dirty="0" err="1" smtClean="0"/>
+              <a:rPr lang="en-GB" dirty="0" err="1"/>
               <a:t>pytest</a:t>
             </a:r>
-            <a:endParaRPr lang="en-GB" dirty="0" smtClean="0"/>
-          </a:p>
-          <a:p>
-            <a:endParaRPr lang="en-GB" dirty="0" smtClean="0"/>
+            <a:endParaRPr lang="en-GB" dirty="0"/>
+          </a:p>
+          <a:p>
+            <a:endParaRPr lang="en-GB" dirty="0"/>
           </a:p>
         </p:txBody>
       </p:sp>
@@ -9378,13 +9219,6 @@
   <p:clrMapOvr>
     <a:masterClrMapping/>
   </p:clrMapOvr>
-  <p:timing>
-    <p:tnLst>
-      <p:par>
-        <p:cTn id="1" dur="indefinite" restart="never" nodeType="tmRoot"/>
-      </p:par>
-    </p:tnLst>
-  </p:timing>
 </p:sld>
 </file>
 
@@ -9426,10 +9260,9 @@
           <a:lstStyle/>
           <a:p>
             <a:r>
-              <a:rPr lang="en-GB" dirty="0" smtClean="0"/>
+              <a:rPr lang="en-GB" dirty="0"/>
               <a:t>Understanding the Output.</a:t>
             </a:r>
-            <a:endParaRPr lang="en-GB" dirty="0"/>
           </a:p>
         </p:txBody>
       </p:sp>
@@ -9460,15 +9293,15 @@
               <a:buChar char="•"/>
             </a:pPr>
             <a:r>
-              <a:rPr lang="en-GB" dirty="0" smtClean="0"/>
+              <a:rPr lang="en-GB" dirty="0"/>
               <a:t>It ran the tests as normal, but </a:t>
             </a:r>
             <a:r>
-              <a:rPr lang="en-GB" dirty="0" err="1" smtClean="0"/>
+              <a:rPr lang="en-GB" dirty="0" err="1"/>
               <a:t>PyCharm</a:t>
             </a:r>
             <a:r>
-              <a:rPr lang="en-GB" dirty="0" smtClean="0"/>
+              <a:rPr lang="en-GB" dirty="0"/>
               <a:t> now has two extra things.</a:t>
             </a:r>
           </a:p>
@@ -9485,7 +9318,7 @@
               <a:buChar char="•"/>
             </a:pPr>
             <a:r>
-              <a:rPr lang="en-GB" dirty="0" smtClean="0"/>
+              <a:rPr lang="en-GB" dirty="0"/>
               <a:t>These are highlighted on the screenshot.</a:t>
             </a:r>
           </a:p>
@@ -9502,7 +9335,7 @@
               <a:buChar char="•"/>
             </a:pPr>
             <a:r>
-              <a:rPr lang="en-GB" dirty="0" smtClean="0"/>
+              <a:rPr lang="en-GB" dirty="0"/>
               <a:t>We can see in the list of files in our project that our example program has 90% coverage.</a:t>
             </a:r>
           </a:p>
@@ -9519,7 +9352,7 @@
               <a:buChar char="•"/>
             </a:pPr>
             <a:r>
-              <a:rPr lang="en-GB" dirty="0" smtClean="0"/>
+              <a:rPr lang="en-GB" dirty="0"/>
               <a:t>And, on the right, we can see green marks for lines covered by tests (or that are tests), and red lines for uncovered statements.</a:t>
             </a:r>
           </a:p>
@@ -9573,13 +9406,6 @@
   <p:clrMapOvr>
     <a:masterClrMapping/>
   </p:clrMapOvr>
-  <p:timing>
-    <p:tnLst>
-      <p:par>
-        <p:cTn id="1" dur="indefinite" restart="never" nodeType="tmRoot"/>
-      </p:par>
-    </p:tnLst>
-  </p:timing>
 </p:sld>
 </file>
 
@@ -9621,10 +9447,9 @@
           <a:lstStyle/>
           <a:p>
             <a:r>
-              <a:rPr lang="en-GB" dirty="0" smtClean="0"/>
+              <a:rPr lang="en-GB" dirty="0"/>
               <a:t>Adding Full Coverage.</a:t>
             </a:r>
-            <a:endParaRPr lang="en-GB" dirty="0"/>
           </a:p>
         </p:txBody>
       </p:sp>
@@ -9655,7 +9480,7 @@
               <a:buChar char="•"/>
             </a:pPr>
             <a:r>
-              <a:rPr lang="en-GB" dirty="0" smtClean="0"/>
+              <a:rPr lang="en-GB" dirty="0"/>
               <a:t>Here we have written a test for subtraction.</a:t>
             </a:r>
           </a:p>
@@ -9672,7 +9497,7 @@
               <a:buChar char="•"/>
             </a:pPr>
             <a:r>
-              <a:rPr lang="en-GB" dirty="0" smtClean="0"/>
+              <a:rPr lang="en-GB" dirty="0"/>
               <a:t>This program should have 100% coverage !</a:t>
             </a:r>
           </a:p>
@@ -9689,7 +9514,7 @@
               <a:buChar char="•"/>
             </a:pPr>
             <a:r>
-              <a:rPr lang="en-GB" dirty="0" smtClean="0">
+              <a:rPr lang="en-GB" dirty="0">
                 <a:solidFill>
                   <a:srgbClr val="FFFF00"/>
                 </a:solidFill>
@@ -10024,13 +9849,6 @@
   <p:clrMapOvr>
     <a:masterClrMapping/>
   </p:clrMapOvr>
-  <p:timing>
-    <p:tnLst>
-      <p:par>
-        <p:cTn id="1" dur="indefinite" restart="never" nodeType="tmRoot"/>
-      </p:par>
-    </p:tnLst>
-  </p:timing>
 </p:sld>
 </file>
 
@@ -10072,10 +9890,9 @@
           <a:lstStyle/>
           <a:p>
             <a:r>
-              <a:rPr lang="en-GB" dirty="0" smtClean="0"/>
+              <a:rPr lang="en-GB" dirty="0"/>
               <a:t>Changing How Something Works / Running Individual Tests.</a:t>
             </a:r>
-            <a:endParaRPr lang="en-GB" dirty="0"/>
           </a:p>
         </p:txBody>
       </p:sp>
@@ -10187,13 +10004,6 @@
   <p:clrMapOvr>
     <a:masterClrMapping/>
   </p:clrMapOvr>
-  <p:timing>
-    <p:tnLst>
-      <p:par>
-        <p:cTn id="1" dur="indefinite" restart="never" nodeType="tmRoot"/>
-      </p:par>
-    </p:tnLst>
-  </p:timing>
 </p:sld>
 </file>
 
@@ -10235,10 +10045,9 @@
           <a:lstStyle/>
           <a:p>
             <a:r>
-              <a:rPr lang="en-GB" dirty="0" smtClean="0"/>
+              <a:rPr lang="en-GB" dirty="0"/>
               <a:t>Changing Multiplication.</a:t>
             </a:r>
-            <a:endParaRPr lang="en-GB" dirty="0"/>
           </a:p>
         </p:txBody>
       </p:sp>
@@ -10675,7 +10484,7 @@
               <a:buChar char="•"/>
             </a:pPr>
             <a:r>
-              <a:rPr lang="en-GB" dirty="0" smtClean="0"/>
+              <a:rPr lang="en-GB" dirty="0"/>
               <a:t>Multiplication here is changed.</a:t>
             </a:r>
           </a:p>
@@ -10692,17 +10501,16 @@
               <a:buChar char="•"/>
             </a:pPr>
             <a:r>
-              <a:rPr lang="en-GB" dirty="0" smtClean="0"/>
+              <a:rPr lang="en-GB" dirty="0"/>
               <a:t>But because of our tests, we know it still works !</a:t>
             </a:r>
-            <a:endParaRPr lang="en-GB" dirty="0"/>
           </a:p>
           <a:p>
             <a:pPr marL="285750" indent="-285750">
               <a:buFont typeface="Arial" panose="020B0604020202020204" pitchFamily="34" charset="0"/>
               <a:buChar char="•"/>
             </a:pPr>
-            <a:endParaRPr lang="en-GB" dirty="0" smtClean="0"/>
+            <a:endParaRPr lang="en-GB" dirty="0"/>
           </a:p>
           <a:p>
             <a:pPr marL="285750" indent="-285750">
@@ -10710,7 +10518,7 @@
               <a:buChar char="•"/>
             </a:pPr>
             <a:r>
-              <a:rPr lang="en-GB" dirty="0" smtClean="0">
+              <a:rPr lang="en-GB" dirty="0">
                 <a:solidFill>
                   <a:srgbClr val="FFFF00"/>
                 </a:solidFill>
@@ -10724,7 +10532,7 @@
               <a:buChar char="•"/>
             </a:pPr>
             <a:r>
-              <a:rPr lang="en-GB" dirty="0" smtClean="0">
+              <a:rPr lang="en-GB" dirty="0">
                 <a:solidFill>
                   <a:srgbClr val="FFFF00"/>
                 </a:solidFill>
@@ -10738,18 +10546,13 @@
               <a:buChar char="•"/>
             </a:pPr>
             <a:r>
-              <a:rPr lang="en-GB" dirty="0" smtClean="0">
+              <a:rPr lang="en-GB" dirty="0">
                 <a:solidFill>
                   <a:srgbClr val="FFFF00"/>
                 </a:solidFill>
               </a:rPr>
               <a:t>Check the program has full coverage.</a:t>
             </a:r>
-            <a:endParaRPr lang="en-GB" dirty="0">
-              <a:solidFill>
-                <a:srgbClr val="FFFF00"/>
-              </a:solidFill>
-            </a:endParaRPr>
           </a:p>
         </p:txBody>
       </p:sp>
@@ -10804,10 +10607,9 @@
           <a:lstStyle/>
           <a:p>
             <a:r>
-              <a:rPr lang="en-GB" dirty="0" smtClean="0"/>
+              <a:rPr lang="en-GB" dirty="0"/>
               <a:t>Running Single Tests.</a:t>
             </a:r>
-            <a:endParaRPr lang="en-GB" dirty="0"/>
           </a:p>
         </p:txBody>
       </p:sp>
@@ -10862,15 +10664,15 @@
               <a:buChar char="•"/>
             </a:pPr>
             <a:r>
-              <a:rPr lang="en-GB" dirty="0" smtClean="0"/>
+              <a:rPr lang="en-GB" dirty="0"/>
               <a:t>If you only want to change multiply, </a:t>
             </a:r>
             <a:r>
-              <a:rPr lang="en-GB" dirty="0" err="1" smtClean="0"/>
+              <a:rPr lang="en-GB" dirty="0" err="1"/>
               <a:t>PyCharm</a:t>
             </a:r>
             <a:r>
-              <a:rPr lang="en-GB" dirty="0" smtClean="0"/>
+              <a:rPr lang="en-GB" dirty="0"/>
               <a:t> provides a small "test" button by the function.</a:t>
             </a:r>
           </a:p>
@@ -10912,7 +10714,7 @@
               <a:buChar char="•"/>
             </a:pPr>
             <a:r>
-              <a:rPr lang="en-GB" dirty="0" smtClean="0">
+              <a:rPr lang="en-GB" dirty="0">
                 <a:solidFill>
                   <a:srgbClr val="FFFF00"/>
                 </a:solidFill>
@@ -10926,18 +10728,13 @@
               <a:buChar char="•"/>
             </a:pPr>
             <a:r>
-              <a:rPr lang="en-GB" dirty="0" smtClean="0">
+              <a:rPr lang="en-GB" dirty="0">
                 <a:solidFill>
                   <a:srgbClr val="FFFF00"/>
                 </a:solidFill>
               </a:rPr>
               <a:t>Then break the multiply function and try again.</a:t>
             </a:r>
-            <a:endParaRPr lang="en-GB" dirty="0">
-              <a:solidFill>
-                <a:srgbClr val="FFFF00"/>
-              </a:solidFill>
-            </a:endParaRPr>
           </a:p>
         </p:txBody>
       </p:sp>
@@ -10992,10 +10789,9 @@
           <a:lstStyle/>
           <a:p>
             <a:r>
-              <a:rPr lang="en-GB" dirty="0" smtClean="0"/>
+              <a:rPr lang="en-GB" dirty="0"/>
               <a:t>Homework !</a:t>
             </a:r>
-            <a:endParaRPr lang="en-GB" dirty="0"/>
           </a:p>
         </p:txBody>
       </p:sp>
@@ -11091,10 +10887,9 @@
           <a:lstStyle/>
           <a:p>
             <a:r>
-              <a:rPr lang="en-GB" dirty="0" smtClean="0"/>
+              <a:rPr lang="en-GB" dirty="0"/>
               <a:t>Homework.</a:t>
             </a:r>
-            <a:endParaRPr lang="en-GB" dirty="0"/>
           </a:p>
         </p:txBody>
       </p:sp>
@@ -11125,7 +10920,7 @@
               <a:buChar char="•"/>
             </a:pPr>
             <a:r>
-              <a:rPr lang="en-GB" dirty="0" smtClean="0"/>
+              <a:rPr lang="en-GB" dirty="0"/>
               <a:t>Two types of homework this week.</a:t>
             </a:r>
           </a:p>
@@ -11146,7 +10941,7 @@
               <a:buChar char="•"/>
             </a:pPr>
             <a:r>
-              <a:rPr lang="en-GB" dirty="0" smtClean="0">
+              <a:rPr lang="en-GB" dirty="0">
                 <a:solidFill>
                   <a:srgbClr val="FFFF00"/>
                 </a:solidFill>
@@ -11171,18 +10966,13 @@
               <a:buChar char="•"/>
             </a:pPr>
             <a:r>
-              <a:rPr lang="en-GB" dirty="0" smtClean="0">
+              <a:rPr lang="en-GB" dirty="0">
                 <a:solidFill>
                   <a:srgbClr val="FFFF00"/>
                 </a:solidFill>
               </a:rPr>
               <a:t>The second type, I have provided the implementations, and I want you to provide tests.</a:t>
             </a:r>
-            <a:endParaRPr lang="en-GB" dirty="0">
-              <a:solidFill>
-                <a:srgbClr val="FFFF00"/>
-              </a:solidFill>
-            </a:endParaRPr>
           </a:p>
         </p:txBody>
       </p:sp>
@@ -11237,10 +11027,9 @@
           <a:lstStyle/>
           <a:p>
             <a:r>
-              <a:rPr lang="en-GB" dirty="0" smtClean="0"/>
+              <a:rPr lang="en-GB" dirty="0"/>
               <a:t>Homework 1.</a:t>
             </a:r>
-            <a:endParaRPr lang="en-GB" dirty="0"/>
           </a:p>
         </p:txBody>
       </p:sp>
@@ -11285,61 +11074,58 @@
                 <a:latin typeface="Courier New" panose="02070309020205020404" pitchFamily="49" charset="0"/>
                 <a:cs typeface="Courier New" panose="02070309020205020404" pitchFamily="49" charset="0"/>
               </a:rPr>
-              <a:t># Returns the </a:t>
-            </a:r>
+              <a:t># Returns the arithmetic mean (average) of a list of numbers.</a:t>
+            </a:r>
+          </a:p>
+          <a:p>
             <a:r>
               <a:rPr lang="en-GB" dirty="0" err="1">
                 <a:latin typeface="Courier New" panose="02070309020205020404" pitchFamily="49" charset="0"/>
                 <a:cs typeface="Courier New" panose="02070309020205020404" pitchFamily="49" charset="0"/>
               </a:rPr>
-              <a:t>arihtmetic</a:t>
+              <a:t>def</a:t>
             </a:r>
             <a:r>
               <a:rPr lang="en-GB" dirty="0">
                 <a:latin typeface="Courier New" panose="02070309020205020404" pitchFamily="49" charset="0"/>
                 <a:cs typeface="Courier New" panose="02070309020205020404" pitchFamily="49" charset="0"/>
               </a:rPr>
-              <a:t> mean (average) of a list of numbers.</a:t>
-            </a:r>
-          </a:p>
-          <a:p>
+              <a:t> mean(</a:t>
+            </a:r>
             <a:r>
               <a:rPr lang="en-GB" dirty="0" err="1">
                 <a:latin typeface="Courier New" panose="02070309020205020404" pitchFamily="49" charset="0"/>
                 <a:cs typeface="Courier New" panose="02070309020205020404" pitchFamily="49" charset="0"/>
               </a:rPr>
-              <a:t>def</a:t>
+              <a:t>list_of_numbers</a:t>
             </a:r>
             <a:r>
               <a:rPr lang="en-GB" dirty="0">
                 <a:latin typeface="Courier New" panose="02070309020205020404" pitchFamily="49" charset="0"/>
                 <a:cs typeface="Courier New" panose="02070309020205020404" pitchFamily="49" charset="0"/>
               </a:rPr>
-              <a:t> mean(</a:t>
-            </a:r>
-            <a:r>
-              <a:rPr lang="en-GB" dirty="0" err="1">
-                <a:latin typeface="Courier New" panose="02070309020205020404" pitchFamily="49" charset="0"/>
-                <a:cs typeface="Courier New" panose="02070309020205020404" pitchFamily="49" charset="0"/>
-              </a:rPr>
-              <a:t>list_of_numbers</a:t>
-            </a:r>
+              <a:t>):</a:t>
+            </a:r>
+          </a:p>
+          <a:p>
             <a:r>
               <a:rPr lang="en-GB" dirty="0">
                 <a:latin typeface="Courier New" panose="02070309020205020404" pitchFamily="49" charset="0"/>
                 <a:cs typeface="Courier New" panose="02070309020205020404" pitchFamily="49" charset="0"/>
               </a:rPr>
-              <a:t>):</a:t>
-            </a:r>
-          </a:p>
-          <a:p>
-            <a:r>
-              <a:rPr lang="en-GB" dirty="0">
-                <a:latin typeface="Courier New" panose="02070309020205020404" pitchFamily="49" charset="0"/>
-                <a:cs typeface="Courier New" panose="02070309020205020404" pitchFamily="49" charset="0"/>
-              </a:rPr>
-              <a:t>    # Replace this with your answer.</a:t>
-            </a:r>
+              <a:t>    # Replace this with your </a:t>
+            </a:r>
+            <a:r>
+              <a:rPr lang="en-GB">
+                <a:latin typeface="Courier New" panose="02070309020205020404" pitchFamily="49" charset="0"/>
+                <a:cs typeface="Courier New" panose="02070309020205020404" pitchFamily="49" charset="0"/>
+              </a:rPr>
+              <a:t>answer.n</a:t>
+            </a:r>
+            <a:endParaRPr lang="en-GB" dirty="0">
+              <a:latin typeface="Courier New" panose="02070309020205020404" pitchFamily="49" charset="0"/>
+              <a:cs typeface="Courier New" panose="02070309020205020404" pitchFamily="49" charset="0"/>
+            </a:endParaRPr>
           </a:p>
           <a:p>
             <a:r>
@@ -11475,10 +11261,9 @@
           <a:lstStyle/>
           <a:p>
             <a:r>
-              <a:rPr lang="en-GB" dirty="0" smtClean="0"/>
+              <a:rPr lang="en-GB" dirty="0"/>
               <a:t>Homework 2.</a:t>
             </a:r>
-            <a:endParaRPr lang="en-GB" dirty="0"/>
           </a:p>
         </p:txBody>
       </p:sp>
@@ -11562,14 +11347,7 @@
                 <a:latin typeface="Courier New" panose="02070309020205020404" pitchFamily="49" charset="0"/>
                 <a:cs typeface="Courier New" panose="02070309020205020404" pitchFamily="49" charset="0"/>
               </a:rPr>
-              <a:t>(days=0, hours=0, mins=0</a:t>
-            </a:r>
-            <a:r>
-              <a:rPr lang="en-GB" dirty="0" smtClean="0">
-                <a:latin typeface="Courier New" panose="02070309020205020404" pitchFamily="49" charset="0"/>
-                <a:cs typeface="Courier New" panose="02070309020205020404" pitchFamily="49" charset="0"/>
-              </a:rPr>
-              <a:t>):</a:t>
+              <a:t>(days=0, hours=0, mins=0):</a:t>
             </a:r>
           </a:p>
           <a:p>
@@ -11578,19 +11356,8 @@
                 <a:latin typeface="Courier New" panose="02070309020205020404" pitchFamily="49" charset="0"/>
                 <a:cs typeface="Courier New" panose="02070309020205020404" pitchFamily="49" charset="0"/>
               </a:rPr>
-              <a:t> </a:t>
-            </a:r>
-            <a:r>
-              <a:rPr lang="en-GB" dirty="0" smtClean="0">
-                <a:latin typeface="Courier New" panose="02070309020205020404" pitchFamily="49" charset="0"/>
-                <a:cs typeface="Courier New" panose="02070309020205020404" pitchFamily="49" charset="0"/>
-              </a:rPr>
-              <a:t>   # Replace this with your answer.</a:t>
-            </a:r>
-            <a:endParaRPr lang="en-GB" dirty="0">
-              <a:latin typeface="Courier New" panose="02070309020205020404" pitchFamily="49" charset="0"/>
-              <a:cs typeface="Courier New" panose="02070309020205020404" pitchFamily="49" charset="0"/>
-            </a:endParaRPr>
+              <a:t>    # Replace this with your answer.</a:t>
+            </a:r>
           </a:p>
           <a:p>
             <a:r>
@@ -11759,10 +11526,9 @@
           <a:lstStyle/>
           <a:p>
             <a:r>
-              <a:rPr lang="en-GB" dirty="0" smtClean="0"/>
+              <a:rPr lang="en-GB" dirty="0"/>
               <a:t>Homework 4.</a:t>
             </a:r>
-            <a:endParaRPr lang="en-GB" dirty="0"/>
           </a:p>
         </p:txBody>
       </p:sp>
@@ -11788,32 +11554,29 @@
           <a:lstStyle/>
           <a:p>
             <a:r>
-              <a:rPr lang="en-GB" sz="1400" dirty="0" smtClean="0">
-                <a:latin typeface="Courier New" panose="02070309020205020404" pitchFamily="49" charset="0"/>
-                <a:cs typeface="Courier New" panose="02070309020205020404" pitchFamily="49" charset="0"/>
-              </a:rPr>
-              <a:t># </a:t>
-            </a:r>
-            <a:r>
               <a:rPr lang="en-GB" sz="1400" dirty="0">
                 <a:latin typeface="Courier New" panose="02070309020205020404" pitchFamily="49" charset="0"/>
                 <a:cs typeface="Courier New" panose="02070309020205020404" pitchFamily="49" charset="0"/>
               </a:rPr>
-              <a:t>Week10, Homework4, </a:t>
-            </a:r>
-            <a:r>
-              <a:rPr lang="en-GB" sz="1400" dirty="0" smtClean="0">
-                <a:latin typeface="Courier New" panose="02070309020205020404" pitchFamily="49" charset="0"/>
-                <a:cs typeface="Courier New" panose="02070309020205020404" pitchFamily="49" charset="0"/>
-              </a:rPr>
-              <a:t>Question</a:t>
-            </a:r>
+              <a:t># Week10, Homework4, Question</a:t>
+            </a:r>
+          </a:p>
+          <a:p>
             <a:endParaRPr lang="en-GB" sz="1400" dirty="0">
               <a:latin typeface="Courier New" panose="02070309020205020404" pitchFamily="49" charset="0"/>
               <a:cs typeface="Courier New" panose="02070309020205020404" pitchFamily="49" charset="0"/>
             </a:endParaRPr>
           </a:p>
           <a:p>
+            <a:r>
+              <a:rPr lang="en-GB" sz="1400" dirty="0">
+                <a:latin typeface="Courier New" panose="02070309020205020404" pitchFamily="49" charset="0"/>
+                <a:cs typeface="Courier New" panose="02070309020205020404" pitchFamily="49" charset="0"/>
+              </a:rPr>
+              <a:t>import math</a:t>
+            </a:r>
+          </a:p>
+          <a:p>
             <a:endParaRPr lang="en-GB" sz="1400" dirty="0">
               <a:latin typeface="Courier New" panose="02070309020205020404" pitchFamily="49" charset="0"/>
               <a:cs typeface="Courier New" panose="02070309020205020404" pitchFamily="49" charset="0"/>
@@ -11821,11 +11584,68 @@
           </a:p>
           <a:p>
             <a:r>
+              <a:rPr lang="en-GB" sz="1400" dirty="0" err="1">
+                <a:latin typeface="Courier New" panose="02070309020205020404" pitchFamily="49" charset="0"/>
+                <a:cs typeface="Courier New" panose="02070309020205020404" pitchFamily="49" charset="0"/>
+              </a:rPr>
+              <a:t>def</a:t>
+            </a:r>
+            <a:r>
               <a:rPr lang="en-GB" sz="1400" dirty="0">
                 <a:latin typeface="Courier New" panose="02070309020205020404" pitchFamily="49" charset="0"/>
                 <a:cs typeface="Courier New" panose="02070309020205020404" pitchFamily="49" charset="0"/>
               </a:rPr>
-              <a:t>import math</a:t>
+              <a:t> </a:t>
+            </a:r>
+            <a:r>
+              <a:rPr lang="en-GB" sz="1400" dirty="0" err="1">
+                <a:latin typeface="Courier New" panose="02070309020205020404" pitchFamily="49" charset="0"/>
+                <a:cs typeface="Courier New" panose="02070309020205020404" pitchFamily="49" charset="0"/>
+              </a:rPr>
+              <a:t>is_prime</a:t>
+            </a:r>
+            <a:r>
+              <a:rPr lang="en-GB" sz="1400" dirty="0">
+                <a:latin typeface="Courier New" panose="02070309020205020404" pitchFamily="49" charset="0"/>
+                <a:cs typeface="Courier New" panose="02070309020205020404" pitchFamily="49" charset="0"/>
+              </a:rPr>
+              <a:t>(n):</a:t>
+            </a:r>
+          </a:p>
+          <a:p>
+            <a:r>
+              <a:rPr lang="en-GB" sz="1400" dirty="0">
+                <a:latin typeface="Courier New" panose="02070309020205020404" pitchFamily="49" charset="0"/>
+                <a:cs typeface="Courier New" panose="02070309020205020404" pitchFamily="49" charset="0"/>
+              </a:rPr>
+              <a:t>    if n == 2:</a:t>
+            </a:r>
+          </a:p>
+          <a:p>
+            <a:r>
+              <a:rPr lang="en-GB" sz="1400" dirty="0">
+                <a:latin typeface="Courier New" panose="02070309020205020404" pitchFamily="49" charset="0"/>
+                <a:cs typeface="Courier New" panose="02070309020205020404" pitchFamily="49" charset="0"/>
+              </a:rPr>
+              <a:t>        return True</a:t>
+            </a:r>
+          </a:p>
+          <a:p>
+            <a:r>
+              <a:rPr lang="en-GB" sz="1400" dirty="0">
+                <a:latin typeface="Courier New" panose="02070309020205020404" pitchFamily="49" charset="0"/>
+                <a:cs typeface="Courier New" panose="02070309020205020404" pitchFamily="49" charset="0"/>
+              </a:rPr>
+              <a:t>    if n % 2 == 0 or n &lt;= 1:</a:t>
+            </a:r>
+          </a:p>
+          <a:p>
+            <a:r>
+              <a:rPr lang="en-GB" sz="1400" dirty="0">
+                <a:latin typeface="Courier New" panose="02070309020205020404" pitchFamily="49" charset="0"/>
+                <a:cs typeface="Courier New" panose="02070309020205020404" pitchFamily="49" charset="0"/>
+              </a:rPr>
+              <a:t>        return False</a:t>
             </a:r>
           </a:p>
           <a:p>
@@ -11836,68 +11656,53 @@
           </a:p>
           <a:p>
             <a:r>
+              <a:rPr lang="en-GB" sz="1400" dirty="0">
+                <a:latin typeface="Courier New" panose="02070309020205020404" pitchFamily="49" charset="0"/>
+                <a:cs typeface="Courier New" panose="02070309020205020404" pitchFamily="49" charset="0"/>
+              </a:rPr>
+              <a:t>    </a:t>
+            </a:r>
+            <a:r>
               <a:rPr lang="en-GB" sz="1400" dirty="0" err="1">
                 <a:latin typeface="Courier New" panose="02070309020205020404" pitchFamily="49" charset="0"/>
                 <a:cs typeface="Courier New" panose="02070309020205020404" pitchFamily="49" charset="0"/>
               </a:rPr>
-              <a:t>def</a:t>
+              <a:t>sqr</a:t>
             </a:r>
             <a:r>
               <a:rPr lang="en-GB" sz="1400" dirty="0">
                 <a:latin typeface="Courier New" panose="02070309020205020404" pitchFamily="49" charset="0"/>
                 <a:cs typeface="Courier New" panose="02070309020205020404" pitchFamily="49" charset="0"/>
               </a:rPr>
-              <a:t> </a:t>
+              <a:t> = </a:t>
             </a:r>
             <a:r>
               <a:rPr lang="en-GB" sz="1400" dirty="0" err="1">
                 <a:latin typeface="Courier New" panose="02070309020205020404" pitchFamily="49" charset="0"/>
                 <a:cs typeface="Courier New" panose="02070309020205020404" pitchFamily="49" charset="0"/>
               </a:rPr>
-              <a:t>is_prime</a:t>
+              <a:t>int</a:t>
             </a:r>
             <a:r>
               <a:rPr lang="en-GB" sz="1400" dirty="0">
                 <a:latin typeface="Courier New" panose="02070309020205020404" pitchFamily="49" charset="0"/>
                 <a:cs typeface="Courier New" panose="02070309020205020404" pitchFamily="49" charset="0"/>
               </a:rPr>
-              <a:t>(n):</a:t>
-            </a:r>
-          </a:p>
-          <a:p>
+              <a:t>(</a:t>
+            </a:r>
+            <a:r>
+              <a:rPr lang="en-GB" sz="1400" dirty="0" err="1">
+                <a:latin typeface="Courier New" panose="02070309020205020404" pitchFamily="49" charset="0"/>
+                <a:cs typeface="Courier New" panose="02070309020205020404" pitchFamily="49" charset="0"/>
+              </a:rPr>
+              <a:t>math.sqrt</a:t>
+            </a:r>
             <a:r>
               <a:rPr lang="en-GB" sz="1400" dirty="0">
                 <a:latin typeface="Courier New" panose="02070309020205020404" pitchFamily="49" charset="0"/>
                 <a:cs typeface="Courier New" panose="02070309020205020404" pitchFamily="49" charset="0"/>
               </a:rPr>
-              <a:t>    if n == 2:</a:t>
-            </a:r>
-          </a:p>
-          <a:p>
-            <a:r>
-              <a:rPr lang="en-GB" sz="1400" dirty="0">
-                <a:latin typeface="Courier New" panose="02070309020205020404" pitchFamily="49" charset="0"/>
-                <a:cs typeface="Courier New" panose="02070309020205020404" pitchFamily="49" charset="0"/>
-              </a:rPr>
-              <a:t>        return True</a:t>
-            </a:r>
-          </a:p>
-          <a:p>
-            <a:r>
-              <a:rPr lang="en-GB" sz="1400" dirty="0">
-                <a:latin typeface="Courier New" panose="02070309020205020404" pitchFamily="49" charset="0"/>
-                <a:cs typeface="Courier New" panose="02070309020205020404" pitchFamily="49" charset="0"/>
-              </a:rPr>
-              <a:t>    if n % 2 == 0 or n &lt;= 1:</a:t>
-            </a:r>
-          </a:p>
-          <a:p>
-            <a:r>
-              <a:rPr lang="en-GB" sz="1400" dirty="0">
-                <a:latin typeface="Courier New" panose="02070309020205020404" pitchFamily="49" charset="0"/>
-                <a:cs typeface="Courier New" panose="02070309020205020404" pitchFamily="49" charset="0"/>
-              </a:rPr>
-              <a:t>        return False</a:t>
+              <a:t>(n)) + 1</a:t>
             </a:r>
           </a:p>
           <a:p>
@@ -11912,7 +11717,7 @@
                 <a:latin typeface="Courier New" panose="02070309020205020404" pitchFamily="49" charset="0"/>
                 <a:cs typeface="Courier New" panose="02070309020205020404" pitchFamily="49" charset="0"/>
               </a:rPr>
-              <a:t>    </a:t>
+              <a:t>    for divisor in range(3, </a:t>
             </a:r>
             <a:r>
               <a:rPr lang="en-GB" sz="1400" dirty="0" err="1">
@@ -11926,35 +11731,34 @@
                 <a:latin typeface="Courier New" panose="02070309020205020404" pitchFamily="49" charset="0"/>
                 <a:cs typeface="Courier New" panose="02070309020205020404" pitchFamily="49" charset="0"/>
               </a:rPr>
-              <a:t> = </a:t>
-            </a:r>
-            <a:r>
-              <a:rPr lang="en-GB" sz="1400" dirty="0" err="1">
-                <a:latin typeface="Courier New" panose="02070309020205020404" pitchFamily="49" charset="0"/>
-                <a:cs typeface="Courier New" panose="02070309020205020404" pitchFamily="49" charset="0"/>
-              </a:rPr>
-              <a:t>int</a:t>
-            </a:r>
+              <a:t>, 2):</a:t>
+            </a:r>
+          </a:p>
+          <a:p>
             <a:r>
               <a:rPr lang="en-GB" sz="1400" dirty="0">
                 <a:latin typeface="Courier New" panose="02070309020205020404" pitchFamily="49" charset="0"/>
                 <a:cs typeface="Courier New" panose="02070309020205020404" pitchFamily="49" charset="0"/>
               </a:rPr>
-              <a:t>(</a:t>
-            </a:r>
-            <a:r>
-              <a:rPr lang="en-GB" sz="1400" dirty="0" err="1">
-                <a:latin typeface="Courier New" panose="02070309020205020404" pitchFamily="49" charset="0"/>
-                <a:cs typeface="Courier New" panose="02070309020205020404" pitchFamily="49" charset="0"/>
-              </a:rPr>
-              <a:t>math.sqrt</a:t>
-            </a:r>
+              <a:t>        if n % divisor == 0:</a:t>
+            </a:r>
+          </a:p>
+          <a:p>
             <a:r>
               <a:rPr lang="en-GB" sz="1400" dirty="0">
                 <a:latin typeface="Courier New" panose="02070309020205020404" pitchFamily="49" charset="0"/>
                 <a:cs typeface="Courier New" panose="02070309020205020404" pitchFamily="49" charset="0"/>
               </a:rPr>
-              <a:t>(n)) + 1</a:t>
+              <a:t>            return False</a:t>
+            </a:r>
+          </a:p>
+          <a:p>
+            <a:r>
+              <a:rPr lang="en-GB" sz="1400" dirty="0">
+                <a:latin typeface="Courier New" panose="02070309020205020404" pitchFamily="49" charset="0"/>
+                <a:cs typeface="Courier New" panose="02070309020205020404" pitchFamily="49" charset="0"/>
+              </a:rPr>
+              <a:t>    return True</a:t>
             </a:r>
           </a:p>
           <a:p>
@@ -11965,25 +11769,32 @@
           </a:p>
           <a:p>
             <a:r>
+              <a:rPr lang="en-GB" sz="1400" dirty="0" err="1">
+                <a:latin typeface="Courier New" panose="02070309020205020404" pitchFamily="49" charset="0"/>
+                <a:cs typeface="Courier New" panose="02070309020205020404" pitchFamily="49" charset="0"/>
+              </a:rPr>
+              <a:t>def</a:t>
+            </a:r>
+            <a:r>
               <a:rPr lang="en-GB" sz="1400" dirty="0">
                 <a:latin typeface="Courier New" panose="02070309020205020404" pitchFamily="49" charset="0"/>
                 <a:cs typeface="Courier New" panose="02070309020205020404" pitchFamily="49" charset="0"/>
               </a:rPr>
-              <a:t>    for divisor in range(3, </a:t>
+              <a:t> </a:t>
             </a:r>
             <a:r>
               <a:rPr lang="en-GB" sz="1400" dirty="0" err="1">
                 <a:latin typeface="Courier New" panose="02070309020205020404" pitchFamily="49" charset="0"/>
                 <a:cs typeface="Courier New" panose="02070309020205020404" pitchFamily="49" charset="0"/>
               </a:rPr>
-              <a:t>sqr</a:t>
+              <a:t>test_is_prime</a:t>
             </a:r>
             <a:r>
               <a:rPr lang="en-GB" sz="1400" dirty="0">
                 <a:latin typeface="Courier New" panose="02070309020205020404" pitchFamily="49" charset="0"/>
                 <a:cs typeface="Courier New" panose="02070309020205020404" pitchFamily="49" charset="0"/>
               </a:rPr>
-              <a:t>, 2):</a:t>
+              <a:t>():</a:t>
             </a:r>
           </a:p>
           <a:p>
@@ -11992,7 +11803,7 @@
                 <a:latin typeface="Courier New" panose="02070309020205020404" pitchFamily="49" charset="0"/>
                 <a:cs typeface="Courier New" panose="02070309020205020404" pitchFamily="49" charset="0"/>
               </a:rPr>
-              <a:t>        if n % divisor == 0:</a:t>
+              <a:t>    # Add your tests here.</a:t>
             </a:r>
           </a:p>
           <a:p>
@@ -12001,82 +11812,8 @@
                 <a:latin typeface="Courier New" panose="02070309020205020404" pitchFamily="49" charset="0"/>
                 <a:cs typeface="Courier New" panose="02070309020205020404" pitchFamily="49" charset="0"/>
               </a:rPr>
-              <a:t>            return False</a:t>
-            </a:r>
-          </a:p>
-          <a:p>
-            <a:r>
-              <a:rPr lang="en-GB" sz="1400" dirty="0">
-                <a:latin typeface="Courier New" panose="02070309020205020404" pitchFamily="49" charset="0"/>
-                <a:cs typeface="Courier New" panose="02070309020205020404" pitchFamily="49" charset="0"/>
-              </a:rPr>
-              <a:t>    return True</a:t>
-            </a:r>
-          </a:p>
-          <a:p>
-            <a:endParaRPr lang="en-GB" sz="1400" dirty="0">
-              <a:latin typeface="Courier New" panose="02070309020205020404" pitchFamily="49" charset="0"/>
-              <a:cs typeface="Courier New" panose="02070309020205020404" pitchFamily="49" charset="0"/>
-            </a:endParaRPr>
-          </a:p>
-          <a:p>
-            <a:r>
-              <a:rPr lang="en-GB" sz="1400" dirty="0" err="1" smtClean="0">
-                <a:latin typeface="Courier New" panose="02070309020205020404" pitchFamily="49" charset="0"/>
-                <a:cs typeface="Courier New" panose="02070309020205020404" pitchFamily="49" charset="0"/>
-              </a:rPr>
-              <a:t>def</a:t>
-            </a:r>
-            <a:r>
-              <a:rPr lang="en-GB" sz="1400" dirty="0" smtClean="0">
-                <a:latin typeface="Courier New" panose="02070309020205020404" pitchFamily="49" charset="0"/>
-                <a:cs typeface="Courier New" panose="02070309020205020404" pitchFamily="49" charset="0"/>
-              </a:rPr>
-              <a:t> </a:t>
-            </a:r>
-            <a:r>
-              <a:rPr lang="en-GB" sz="1400" dirty="0" err="1" smtClean="0">
-                <a:latin typeface="Courier New" panose="02070309020205020404" pitchFamily="49" charset="0"/>
-                <a:cs typeface="Courier New" panose="02070309020205020404" pitchFamily="49" charset="0"/>
-              </a:rPr>
-              <a:t>test_is_prime</a:t>
-            </a:r>
-            <a:r>
-              <a:rPr lang="en-GB" sz="1400" dirty="0" smtClean="0">
-                <a:latin typeface="Courier New" panose="02070309020205020404" pitchFamily="49" charset="0"/>
-                <a:cs typeface="Courier New" panose="02070309020205020404" pitchFamily="49" charset="0"/>
-              </a:rPr>
-              <a:t>():</a:t>
-            </a:r>
-          </a:p>
-          <a:p>
-            <a:r>
-              <a:rPr lang="en-GB" sz="1400" dirty="0">
-                <a:latin typeface="Courier New" panose="02070309020205020404" pitchFamily="49" charset="0"/>
-                <a:cs typeface="Courier New" panose="02070309020205020404" pitchFamily="49" charset="0"/>
-              </a:rPr>
-              <a:t> </a:t>
-            </a:r>
-            <a:r>
-              <a:rPr lang="en-GB" sz="1400" dirty="0" smtClean="0">
-                <a:latin typeface="Courier New" panose="02070309020205020404" pitchFamily="49" charset="0"/>
-                <a:cs typeface="Courier New" panose="02070309020205020404" pitchFamily="49" charset="0"/>
-              </a:rPr>
-              <a:t>   # Add your tests here.</a:t>
-            </a:r>
-          </a:p>
-          <a:p>
-            <a:r>
-              <a:rPr lang="en-GB" sz="1400" dirty="0" smtClean="0">
-                <a:latin typeface="Courier New" panose="02070309020205020404" pitchFamily="49" charset="0"/>
-                <a:cs typeface="Courier New" panose="02070309020205020404" pitchFamily="49" charset="0"/>
-              </a:rPr>
               <a:t>    pass</a:t>
             </a:r>
-            <a:endParaRPr lang="en-GB" sz="1400" dirty="0">
-              <a:latin typeface="Courier New" panose="02070309020205020404" pitchFamily="49" charset="0"/>
-              <a:cs typeface="Courier New" panose="02070309020205020404" pitchFamily="49" charset="0"/>
-            </a:endParaRPr>
           </a:p>
         </p:txBody>
       </p:sp>
@@ -12129,13 +11866,6 @@
             </a:r>
           </a:p>
           <a:p>
-            <a:endParaRPr lang="en-GB" dirty="0" smtClean="0">
-              <a:solidFill>
-                <a:srgbClr val="FFFF00"/>
-              </a:solidFill>
-            </a:endParaRPr>
-          </a:p>
-          <a:p>
             <a:endParaRPr lang="en-GB" dirty="0">
               <a:solidFill>
                 <a:srgbClr val="FFFF00"/>
@@ -12143,40 +11873,6 @@
             </a:endParaRPr>
           </a:p>
           <a:p>
-            <a:pPr marL="285750" indent="-285750">
-              <a:buFont typeface="Arial" panose="020B0604020202020204" pitchFamily="34" charset="0"/>
-              <a:buChar char="•"/>
-            </a:pPr>
-            <a:r>
-              <a:rPr lang="en-GB" dirty="0" smtClean="0">
-                <a:solidFill>
-                  <a:srgbClr val="FFFF00"/>
-                </a:solidFill>
-              </a:rPr>
-              <a:t>Replace </a:t>
-            </a:r>
-            <a:r>
-              <a:rPr lang="en-GB" dirty="0" err="1" smtClean="0">
-                <a:solidFill>
-                  <a:srgbClr val="FFFF00"/>
-                </a:solidFill>
-              </a:rPr>
-              <a:t>test_is_prime</a:t>
-            </a:r>
-            <a:r>
-              <a:rPr lang="en-GB" dirty="0" smtClean="0">
-                <a:solidFill>
-                  <a:srgbClr val="FFFF00"/>
-                </a:solidFill>
-              </a:rPr>
-              <a:t>() with your tests.</a:t>
-            </a:r>
-          </a:p>
-          <a:p>
-            <a:pPr marL="285750" indent="-285750">
-              <a:buFont typeface="Arial" panose="020B0604020202020204" pitchFamily="34" charset="0"/>
-              <a:buChar char="•"/>
-            </a:pPr>
             <a:endParaRPr lang="en-GB" dirty="0">
               <a:solidFill>
                 <a:srgbClr val="FFFF00"/>
@@ -12189,7 +11885,48 @@
               <a:buChar char="•"/>
             </a:pPr>
             <a:r>
-              <a:rPr lang="en-GB" dirty="0" smtClean="0">
+              <a:rPr lang="en-GB" dirty="0">
+                <a:solidFill>
+                  <a:srgbClr val="FFFF00"/>
+                </a:solidFill>
+              </a:rPr>
+              <a:t>Replace </a:t>
+            </a:r>
+            <a:r>
+              <a:rPr lang="en-GB" dirty="0" err="1">
+                <a:solidFill>
+                  <a:srgbClr val="FFFF00"/>
+                </a:solidFill>
+              </a:rPr>
+              <a:t>test_is_prime</a:t>
+            </a:r>
+            <a:r>
+              <a:rPr lang="en-GB" dirty="0">
+                <a:solidFill>
+                  <a:srgbClr val="FFFF00"/>
+                </a:solidFill>
+              </a:rPr>
+              <a:t>() with your tests.</a:t>
+            </a:r>
+          </a:p>
+          <a:p>
+            <a:pPr marL="285750" indent="-285750">
+              <a:buFont typeface="Arial" panose="020B0604020202020204" pitchFamily="34" charset="0"/>
+              <a:buChar char="•"/>
+            </a:pPr>
+            <a:endParaRPr lang="en-GB" dirty="0">
+              <a:solidFill>
+                <a:srgbClr val="FFFF00"/>
+              </a:solidFill>
+            </a:endParaRPr>
+          </a:p>
+          <a:p>
+            <a:pPr marL="285750" indent="-285750">
+              <a:buFont typeface="Arial" panose="020B0604020202020204" pitchFamily="34" charset="0"/>
+              <a:buChar char="•"/>
+            </a:pPr>
+            <a:r>
+              <a:rPr lang="en-GB" dirty="0">
                 <a:solidFill>
                   <a:srgbClr val="FFFF00"/>
                 </a:solidFill>
@@ -12277,10 +12014,9 @@
           <a:lstStyle/>
           <a:p>
             <a:r>
-              <a:rPr lang="en-GB" dirty="0" smtClean="0"/>
+              <a:rPr lang="en-GB" dirty="0"/>
               <a:t>Ad-Hoc Testing.</a:t>
             </a:r>
-            <a:endParaRPr lang="en-GB" dirty="0"/>
           </a:p>
         </p:txBody>
       </p:sp>
@@ -12307,13 +12043,13 @@
           <a:lstStyle/>
           <a:p>
             <a:r>
-              <a:rPr lang="en-GB" dirty="0" smtClean="0"/>
+              <a:rPr lang="en-GB" dirty="0"/>
               <a:t>So far, you have no doubt "tested" your programs.</a:t>
             </a:r>
           </a:p>
           <a:p>
             <a:r>
-              <a:rPr lang="en-GB" dirty="0" smtClean="0"/>
+              <a:rPr lang="en-GB" dirty="0"/>
               <a:t>You have done so using a technique known as "ad-hoc" testing.</a:t>
             </a:r>
           </a:p>
@@ -12322,7 +12058,7 @@
           </a:p>
           <a:p>
             <a:r>
-              <a:rPr lang="en-GB" dirty="0" smtClean="0"/>
+              <a:rPr lang="en-GB" dirty="0"/>
               <a:t>As the name suggests, it is when testing consists of running the program and checking that it works the way you want.</a:t>
             </a:r>
           </a:p>
@@ -12331,12 +12067,12 @@
           </a:p>
           <a:p>
             <a:r>
-              <a:rPr lang="en-GB" dirty="0" smtClean="0"/>
+              <a:rPr lang="en-GB" dirty="0"/>
               <a:t>This works well for smaller programs, and less important programs, but it has some problems with it.</a:t>
             </a:r>
           </a:p>
           <a:p>
-            <a:endParaRPr lang="en-GB" dirty="0" smtClean="0"/>
+            <a:endParaRPr lang="en-GB" dirty="0"/>
           </a:p>
         </p:txBody>
       </p:sp>
@@ -12350,13 +12086,6 @@
   <p:clrMapOvr>
     <a:masterClrMapping/>
   </p:clrMapOvr>
-  <p:timing>
-    <p:tnLst>
-      <p:par>
-        <p:cTn id="1" dur="indefinite" restart="never" nodeType="tmRoot"/>
-      </p:par>
-    </p:tnLst>
-  </p:timing>
 </p:sld>
 </file>
 
@@ -12398,10 +12127,9 @@
           <a:lstStyle/>
           <a:p>
             <a:r>
-              <a:rPr lang="en-GB" dirty="0" smtClean="0"/>
+              <a:rPr lang="en-GB" dirty="0"/>
               <a:t>Homework 5.</a:t>
             </a:r>
-            <a:endParaRPr lang="en-GB" dirty="0"/>
           </a:p>
         </p:txBody>
       </p:sp>
@@ -12427,30 +12155,12 @@
           <a:lstStyle/>
           <a:p>
             <a:r>
-              <a:rPr lang="en-GB" sz="1100" dirty="0" smtClean="0">
-                <a:latin typeface="Courier New" panose="02070309020205020404" pitchFamily="49" charset="0"/>
-                <a:cs typeface="Courier New" panose="02070309020205020404" pitchFamily="49" charset="0"/>
-              </a:rPr>
-              <a:t># </a:t>
-            </a:r>
-            <a:r>
               <a:rPr lang="en-GB" sz="1100" dirty="0">
                 <a:latin typeface="Courier New" panose="02070309020205020404" pitchFamily="49" charset="0"/>
                 <a:cs typeface="Courier New" panose="02070309020205020404" pitchFamily="49" charset="0"/>
               </a:rPr>
-              <a:t>Week10, Homework5, </a:t>
-            </a:r>
-            <a:r>
-              <a:rPr lang="en-GB" sz="1100" dirty="0" smtClean="0">
-                <a:latin typeface="Courier New" panose="02070309020205020404" pitchFamily="49" charset="0"/>
-                <a:cs typeface="Courier New" panose="02070309020205020404" pitchFamily="49" charset="0"/>
-              </a:rPr>
-              <a:t>Question</a:t>
-            </a:r>
-            <a:endParaRPr lang="en-GB" sz="1100" dirty="0">
-              <a:latin typeface="Courier New" panose="02070309020205020404" pitchFamily="49" charset="0"/>
-              <a:cs typeface="Courier New" panose="02070309020205020404" pitchFamily="49" charset="0"/>
-            </a:endParaRPr>
+              <a:t># Week10, Homework5, Question</a:t>
+            </a:r>
           </a:p>
           <a:p>
             <a:endParaRPr lang="en-GB" sz="1100" dirty="0">
@@ -12723,13 +12433,6 @@
             </a:r>
           </a:p>
           <a:p>
-            <a:endParaRPr lang="en-GB" dirty="0" smtClean="0">
-              <a:solidFill>
-                <a:srgbClr val="FFFF00"/>
-              </a:solidFill>
-            </a:endParaRPr>
-          </a:p>
-          <a:p>
             <a:endParaRPr lang="en-GB" dirty="0">
               <a:solidFill>
                 <a:srgbClr val="FFFF00"/>
@@ -12737,40 +12440,6 @@
             </a:endParaRPr>
           </a:p>
           <a:p>
-            <a:pPr marL="285750" indent="-285750">
-              <a:buFont typeface="Arial" panose="020B0604020202020204" pitchFamily="34" charset="0"/>
-              <a:buChar char="•"/>
-            </a:pPr>
-            <a:r>
-              <a:rPr lang="en-GB" dirty="0" smtClean="0">
-                <a:solidFill>
-                  <a:srgbClr val="FFFF00"/>
-                </a:solidFill>
-              </a:rPr>
-              <a:t>Replace </a:t>
-            </a:r>
-            <a:r>
-              <a:rPr lang="en-GB" dirty="0" err="1" smtClean="0">
-                <a:solidFill>
-                  <a:srgbClr val="FFFF00"/>
-                </a:solidFill>
-              </a:rPr>
-              <a:t>test_day_of_week</a:t>
-            </a:r>
-            <a:r>
-              <a:rPr lang="en-GB" dirty="0" smtClean="0">
-                <a:solidFill>
-                  <a:srgbClr val="FFFF00"/>
-                </a:solidFill>
-              </a:rPr>
-              <a:t>() with your tests.</a:t>
-            </a:r>
-          </a:p>
-          <a:p>
-            <a:pPr marL="285750" indent="-285750">
-              <a:buFont typeface="Arial" panose="020B0604020202020204" pitchFamily="34" charset="0"/>
-              <a:buChar char="•"/>
-            </a:pPr>
             <a:endParaRPr lang="en-GB" dirty="0">
               <a:solidFill>
                 <a:srgbClr val="FFFF00"/>
@@ -12783,7 +12452,48 @@
               <a:buChar char="•"/>
             </a:pPr>
             <a:r>
-              <a:rPr lang="en-GB" dirty="0" smtClean="0">
+              <a:rPr lang="en-GB" dirty="0">
+                <a:solidFill>
+                  <a:srgbClr val="FFFF00"/>
+                </a:solidFill>
+              </a:rPr>
+              <a:t>Replace </a:t>
+            </a:r>
+            <a:r>
+              <a:rPr lang="en-GB" dirty="0" err="1">
+                <a:solidFill>
+                  <a:srgbClr val="FFFF00"/>
+                </a:solidFill>
+              </a:rPr>
+              <a:t>test_day_of_week</a:t>
+            </a:r>
+            <a:r>
+              <a:rPr lang="en-GB" dirty="0">
+                <a:solidFill>
+                  <a:srgbClr val="FFFF00"/>
+                </a:solidFill>
+              </a:rPr>
+              <a:t>() with your tests.</a:t>
+            </a:r>
+          </a:p>
+          <a:p>
+            <a:pPr marL="285750" indent="-285750">
+              <a:buFont typeface="Arial" panose="020B0604020202020204" pitchFamily="34" charset="0"/>
+              <a:buChar char="•"/>
+            </a:pPr>
+            <a:endParaRPr lang="en-GB" dirty="0">
+              <a:solidFill>
+                <a:srgbClr val="FFFF00"/>
+              </a:solidFill>
+            </a:endParaRPr>
+          </a:p>
+          <a:p>
+            <a:pPr marL="285750" indent="-285750">
+              <a:buFont typeface="Arial" panose="020B0604020202020204" pitchFamily="34" charset="0"/>
+              <a:buChar char="•"/>
+            </a:pPr>
+            <a:r>
+              <a:rPr lang="en-GB" dirty="0">
                 <a:solidFill>
                   <a:srgbClr val="FFFF00"/>
                 </a:solidFill>
@@ -12865,10 +12575,9 @@
           <a:lstStyle/>
           <a:p>
             <a:r>
-              <a:rPr lang="en-GB" dirty="0" smtClean="0"/>
+              <a:rPr lang="en-GB" dirty="0"/>
               <a:t>Homework 6.</a:t>
             </a:r>
-            <a:endParaRPr lang="en-GB" dirty="0"/>
           </a:p>
         </p:txBody>
       </p:sp>
@@ -12894,7 +12603,7 @@
           <a:lstStyle/>
           <a:p>
             <a:r>
-              <a:rPr lang="en-GB" sz="1100" smtClean="0">
+              <a:rPr lang="en-GB" sz="1100">
                 <a:latin typeface="Courier New" panose="02070309020205020404" pitchFamily="49" charset="0"/>
                 <a:cs typeface="Courier New" panose="02070309020205020404" pitchFamily="49" charset="0"/>
               </a:rPr>
@@ -13160,7 +12869,7 @@
             </a:endParaRPr>
           </a:p>
           <a:p>
-            <a:endParaRPr lang="en-GB" sz="1100" dirty="0" smtClean="0">
+            <a:endParaRPr lang="en-GB" sz="1100" dirty="0">
               <a:latin typeface="Courier New" panose="02070309020205020404" pitchFamily="49" charset="0"/>
               <a:cs typeface="Courier New" panose="02070309020205020404" pitchFamily="49" charset="0"/>
             </a:endParaRPr>
@@ -13200,15 +12909,15 @@
               <a:buChar char="•"/>
             </a:pPr>
             <a:r>
-              <a:rPr lang="en-GB" dirty="0" smtClean="0"/>
+              <a:rPr lang="en-GB" dirty="0"/>
               <a:t>This program has two implementations of </a:t>
             </a:r>
             <a:r>
-              <a:rPr lang="en-GB" dirty="0" err="1" smtClean="0"/>
+              <a:rPr lang="en-GB" dirty="0" err="1"/>
               <a:t>letter_of_alphabet</a:t>
             </a:r>
             <a:r>
-              <a:rPr lang="en-GB" dirty="0" smtClean="0"/>
+              <a:rPr lang="en-GB" dirty="0"/>
               <a:t>().</a:t>
             </a:r>
           </a:p>
@@ -13225,7 +12934,7 @@
               <a:buChar char="•"/>
             </a:pPr>
             <a:r>
-              <a:rPr lang="en-GB" dirty="0" smtClean="0"/>
+              <a:rPr lang="en-GB" dirty="0"/>
               <a:t>This function takes the number of a letter of the alphabet (for example 3 would be c), and returns that letter.</a:t>
             </a:r>
           </a:p>
@@ -13242,20 +12951,20 @@
               <a:buChar char="•"/>
             </a:pPr>
             <a:r>
-              <a:rPr lang="en-GB" dirty="0" smtClean="0"/>
+              <a:rPr lang="en-GB" dirty="0"/>
               <a:t>letter_of_alphabet1() is "home made".</a:t>
             </a:r>
             <a:br>
-              <a:rPr lang="en-GB" dirty="0" smtClean="0"/>
+              <a:rPr lang="en-GB" dirty="0"/>
             </a:br>
             <a:r>
-              <a:rPr lang="en-GB" dirty="0" smtClean="0"/>
+              <a:rPr lang="en-GB" dirty="0"/>
               <a:t>letter_of_alphabet2() uses the string module.</a:t>
             </a:r>
             <a:br>
-              <a:rPr lang="en-GB" dirty="0" smtClean="0"/>
+              <a:rPr lang="en-GB" dirty="0"/>
             </a:br>
-            <a:endParaRPr lang="en-GB" dirty="0" smtClean="0"/>
+            <a:endParaRPr lang="en-GB" dirty="0"/>
           </a:p>
           <a:p>
             <a:pPr marL="285750" indent="-285750">
@@ -13263,7 +12972,7 @@
               <a:buChar char="•"/>
             </a:pPr>
             <a:r>
-              <a:rPr lang="en-GB" dirty="0" smtClean="0"/>
+              <a:rPr lang="en-GB" dirty="0"/>
               <a:t>Although we run the same tests against both functions, and we should expect the same results, we don't get them.</a:t>
             </a:r>
           </a:p>
@@ -13280,7 +12989,7 @@
               <a:buChar char="•"/>
             </a:pPr>
             <a:r>
-              <a:rPr lang="en-GB" dirty="0" smtClean="0">
+              <a:rPr lang="en-GB" dirty="0">
                 <a:solidFill>
                   <a:srgbClr val="FFFF00"/>
                 </a:solidFill>
@@ -13336,10 +13045,9 @@
           <a:lstStyle/>
           <a:p>
             <a:r>
-              <a:rPr lang="en-GB" dirty="0" smtClean="0"/>
+              <a:rPr lang="en-GB" dirty="0"/>
               <a:t>The problems with Ad-Hoc Testing.</a:t>
             </a:r>
-            <a:endParaRPr lang="en-GB" dirty="0"/>
           </a:p>
         </p:txBody>
       </p:sp>
@@ -13366,7 +13074,7 @@
           <a:lstStyle/>
           <a:p>
             <a:r>
-              <a:rPr lang="en-GB" dirty="0" smtClean="0"/>
+              <a:rPr lang="en-GB" dirty="0"/>
               <a:t>You know something works when you tested it, but do you keep testing things when you change the program ?</a:t>
             </a:r>
           </a:p>
@@ -13375,7 +13083,7 @@
           </a:p>
           <a:p>
             <a:r>
-              <a:rPr lang="en-GB" dirty="0" smtClean="0"/>
+              <a:rPr lang="en-GB" dirty="0"/>
               <a:t>If someone else worked on your program, did they break something you had working ?</a:t>
             </a:r>
           </a:p>
@@ -13384,7 +13092,7 @@
           </a:p>
           <a:p>
             <a:r>
-              <a:rPr lang="en-GB" dirty="0" smtClean="0"/>
+              <a:rPr lang="en-GB" dirty="0"/>
               <a:t>You might change a function or a method. Does something that uses it still work as you expected ?</a:t>
             </a:r>
           </a:p>
@@ -13400,13 +13108,6 @@
   <p:clrMapOvr>
     <a:masterClrMapping/>
   </p:clrMapOvr>
-  <p:timing>
-    <p:tnLst>
-      <p:par>
-        <p:cTn id="1" dur="indefinite" restart="never" nodeType="tmRoot"/>
-      </p:par>
-    </p:tnLst>
-  </p:timing>
 </p:sld>
 </file>
 
@@ -13443,10 +13144,9 @@
           <a:lstStyle/>
           <a:p>
             <a:r>
-              <a:rPr lang="en-GB" dirty="0" smtClean="0"/>
+              <a:rPr lang="en-GB" dirty="0"/>
               <a:t>Introducing Test Driven Development.</a:t>
             </a:r>
-            <a:endParaRPr lang="en-GB" dirty="0"/>
           </a:p>
         </p:txBody>
       </p:sp>
@@ -13473,7 +13173,7 @@
           <a:lstStyle/>
           <a:p>
             <a:r>
-              <a:rPr lang="en-GB" dirty="0" smtClean="0"/>
+              <a:rPr lang="en-GB" dirty="0"/>
               <a:t>Test driven development is writing code to test other bits of code.</a:t>
             </a:r>
           </a:p>
@@ -13482,18 +13182,18 @@
           </a:p>
           <a:p>
             <a:r>
-              <a:rPr lang="en-GB" dirty="0" smtClean="0"/>
+              <a:rPr lang="en-GB" dirty="0"/>
               <a:t>You can keep running the tests every time you change something.</a:t>
             </a:r>
           </a:p>
           <a:p>
             <a:r>
-              <a:rPr lang="en-GB" dirty="0" smtClean="0"/>
+              <a:rPr lang="en-GB" dirty="0"/>
               <a:t>This cuts out a lot of the problems with ad-hoc testing.</a:t>
             </a:r>
           </a:p>
           <a:p>
-            <a:endParaRPr lang="en-GB" dirty="0" smtClean="0"/>
+            <a:endParaRPr lang="en-GB" dirty="0"/>
           </a:p>
         </p:txBody>
       </p:sp>
@@ -13507,13 +13207,6 @@
   <p:clrMapOvr>
     <a:masterClrMapping/>
   </p:clrMapOvr>
-  <p:timing>
-    <p:tnLst>
-      <p:par>
-        <p:cTn id="1" dur="indefinite" restart="never" nodeType="tmRoot"/>
-      </p:par>
-    </p:tnLst>
-  </p:timing>
 </p:sld>
 </file>
 
@@ -13550,10 +13243,9 @@
           <a:lstStyle/>
           <a:p>
             <a:r>
-              <a:rPr lang="en-GB" dirty="0" smtClean="0"/>
+              <a:rPr lang="en-GB" dirty="0"/>
               <a:t>Manual Testing and Asserts.</a:t>
             </a:r>
-            <a:endParaRPr lang="en-GB" dirty="0"/>
           </a:p>
         </p:txBody>
       </p:sp>
@@ -13580,7 +13272,7 @@
           <a:lstStyle/>
           <a:p>
             <a:r>
-              <a:rPr lang="en-GB" dirty="0" smtClean="0"/>
+              <a:rPr lang="en-GB" dirty="0"/>
               <a:t>Examine this simple example program.</a:t>
             </a:r>
           </a:p>
@@ -13589,7 +13281,7 @@
           </a:p>
           <a:p>
             <a:r>
-              <a:rPr lang="en-GB" dirty="0" smtClean="0"/>
+              <a:rPr lang="en-GB" dirty="0"/>
               <a:t>Assert will throw an error if the condition you give it isn't true.</a:t>
             </a:r>
           </a:p>
@@ -13598,7 +13290,7 @@
           </a:p>
           <a:p>
             <a:r>
-              <a:rPr lang="en-GB" dirty="0" smtClean="0">
+              <a:rPr lang="en-GB" dirty="0">
                 <a:solidFill>
                   <a:srgbClr val="FFFF00"/>
                 </a:solidFill>
@@ -13608,7 +13300,7 @@
           </a:p>
           <a:p>
             <a:r>
-              <a:rPr lang="en-GB" dirty="0" smtClean="0">
+              <a:rPr lang="en-GB" dirty="0">
                 <a:solidFill>
                   <a:srgbClr val="FFFF00"/>
                 </a:solidFill>
@@ -13617,7 +13309,7 @@
             </a:r>
           </a:p>
           <a:p>
-            <a:endParaRPr lang="en-GB" dirty="0" smtClean="0"/>
+            <a:endParaRPr lang="en-GB" dirty="0"/>
           </a:p>
         </p:txBody>
       </p:sp>
@@ -13722,13 +13414,6 @@
   <p:clrMapOvr>
     <a:masterClrMapping/>
   </p:clrMapOvr>
-  <p:timing>
-    <p:tnLst>
-      <p:par>
-        <p:cTn id="1" dur="indefinite" restart="never" nodeType="tmRoot"/>
-      </p:par>
-    </p:tnLst>
-  </p:timing>
 </p:sld>
 </file>
 
@@ -13765,10 +13450,9 @@
           <a:lstStyle/>
           <a:p>
             <a:r>
-              <a:rPr lang="en-GB" dirty="0" smtClean="0"/>
+              <a:rPr lang="en-GB" dirty="0"/>
               <a:t>Manual Testing and Asserts (pt2).</a:t>
             </a:r>
-            <a:endParaRPr lang="en-GB" dirty="0"/>
           </a:p>
         </p:txBody>
       </p:sp>
@@ -13795,7 +13479,7 @@
           <a:lstStyle/>
           <a:p>
             <a:r>
-              <a:rPr lang="en-GB" dirty="0" smtClean="0"/>
+              <a:rPr lang="en-GB" dirty="0"/>
               <a:t>This is the same program with a small change.</a:t>
             </a:r>
           </a:p>
@@ -13804,7 +13488,7 @@
           </a:p>
           <a:p>
             <a:r>
-              <a:rPr lang="en-GB" dirty="0" smtClean="0">
+              <a:rPr lang="en-GB" dirty="0">
                 <a:solidFill>
                   <a:srgbClr val="FFFF00"/>
                 </a:solidFill>
@@ -13814,7 +13498,7 @@
           </a:p>
           <a:p>
             <a:r>
-              <a:rPr lang="en-GB" dirty="0" smtClean="0">
+              <a:rPr lang="en-GB" dirty="0">
                 <a:solidFill>
                   <a:srgbClr val="FFFF00"/>
                 </a:solidFill>
@@ -13823,7 +13507,7 @@
             </a:r>
           </a:p>
           <a:p>
-            <a:endParaRPr lang="en-GB" dirty="0" smtClean="0">
+            <a:endParaRPr lang="en-GB" dirty="0">
               <a:solidFill>
                 <a:srgbClr val="FFFF00"/>
               </a:solidFill>
@@ -13831,7 +13515,7 @@
           </a:p>
           <a:p>
             <a:r>
-              <a:rPr lang="en-GB" dirty="0" smtClean="0">
+              <a:rPr lang="en-GB" dirty="0">
                 <a:solidFill>
                   <a:srgbClr val="FFFF00"/>
                 </a:solidFill>
@@ -13840,7 +13524,7 @@
             </a:r>
           </a:p>
           <a:p>
-            <a:endParaRPr lang="en-GB" dirty="0" smtClean="0"/>
+            <a:endParaRPr lang="en-GB" dirty="0"/>
           </a:p>
         </p:txBody>
       </p:sp>
@@ -13870,19 +13554,8 @@
                 <a:latin typeface="Courier New" panose="02070309020205020404" pitchFamily="49" charset="0"/>
                 <a:cs typeface="Courier New" panose="02070309020205020404" pitchFamily="49" charset="0"/>
               </a:rPr>
-              <a:t># Week10, </a:t>
-            </a:r>
-            <a:r>
-              <a:rPr lang="en-GB" dirty="0" smtClean="0">
-                <a:latin typeface="Courier New" panose="02070309020205020404" pitchFamily="49" charset="0"/>
-                <a:cs typeface="Courier New" panose="02070309020205020404" pitchFamily="49" charset="0"/>
-              </a:rPr>
-              <a:t>Example2</a:t>
-            </a:r>
-            <a:endParaRPr lang="en-GB" dirty="0">
-              <a:latin typeface="Courier New" panose="02070309020205020404" pitchFamily="49" charset="0"/>
-              <a:cs typeface="Courier New" panose="02070309020205020404" pitchFamily="49" charset="0"/>
-            </a:endParaRPr>
+              <a:t># Week10, Example2</a:t>
+            </a:r>
           </a:p>
           <a:p>
             <a:endParaRPr lang="en-GB" dirty="0">
@@ -13956,13 +13629,6 @@
   <p:clrMapOvr>
     <a:masterClrMapping/>
   </p:clrMapOvr>
-  <p:timing>
-    <p:tnLst>
-      <p:par>
-        <p:cTn id="1" dur="indefinite" restart="never" nodeType="tmRoot"/>
-      </p:par>
-    </p:tnLst>
-  </p:timing>
 </p:sld>
 </file>
 
@@ -13999,10 +13665,9 @@
           <a:lstStyle/>
           <a:p>
             <a:r>
-              <a:rPr lang="en-GB" dirty="0" smtClean="0"/>
+              <a:rPr lang="en-GB" dirty="0"/>
               <a:t>Putting testing in functions.</a:t>
             </a:r>
-            <a:endParaRPr lang="en-GB" dirty="0"/>
           </a:p>
         </p:txBody>
       </p:sp>
@@ -14024,33 +13689,33 @@
         </p:spPr>
         <p:txBody>
           <a:bodyPr>
-            <a:normAutofit/>
+            <a:normAutofit lnSpcReduction="10000"/>
           </a:bodyPr>
           <a:lstStyle/>
           <a:p>
             <a:r>
-              <a:rPr lang="en-GB" dirty="0" smtClean="0"/>
+              <a:rPr lang="en-GB" dirty="0"/>
               <a:t>Here we have put the testing in dedicated functions.</a:t>
             </a:r>
           </a:p>
           <a:p>
             <a:r>
-              <a:rPr lang="en-GB" dirty="0" smtClean="0"/>
+              <a:rPr lang="en-GB" dirty="0"/>
               <a:t>These functions are called </a:t>
             </a:r>
             <a:r>
-              <a:rPr lang="en-GB" dirty="0" err="1" smtClean="0"/>
+              <a:rPr lang="en-GB" dirty="0" err="1"/>
               <a:t>test_something</a:t>
             </a:r>
             <a:r>
-              <a:rPr lang="en-GB" dirty="0" smtClean="0"/>
+              <a:rPr lang="en-GB" dirty="0"/>
               <a:t>().</a:t>
             </a:r>
           </a:p>
           <a:p>
             <a:r>
-              <a:rPr lang="en-GB" dirty="0" smtClean="0"/>
-              <a:t>We will see why this is particularly useful next slide.</a:t>
+              <a:rPr lang="en-GB" dirty="0"/>
+              <a:t>We will see why this is particularly useful on the next slide.</a:t>
             </a:r>
           </a:p>
           <a:p>
@@ -14062,7 +13727,7 @@
           </a:p>
           <a:p>
             <a:r>
-              <a:rPr lang="en-GB" dirty="0" smtClean="0">
+              <a:rPr lang="en-GB" dirty="0">
                 <a:solidFill>
                   <a:srgbClr val="FFFF00"/>
                 </a:solidFill>
@@ -14072,7 +13737,7 @@
           </a:p>
           <a:p>
             <a:r>
-              <a:rPr lang="en-GB" dirty="0" smtClean="0">
+              <a:rPr lang="en-GB" dirty="0">
                 <a:solidFill>
                   <a:srgbClr val="FFFF00"/>
                 </a:solidFill>
@@ -14081,7 +13746,7 @@
             </a:r>
           </a:p>
           <a:p>
-            <a:endParaRPr lang="en-GB" dirty="0" smtClean="0"/>
+            <a:endParaRPr lang="en-GB" dirty="0"/>
           </a:p>
         </p:txBody>
       </p:sp>
@@ -14107,18 +13772,11 @@
           <a:lstStyle/>
           <a:p>
             <a:r>
-              <a:rPr lang="en-GB" sz="1600" dirty="0" smtClean="0">
-                <a:latin typeface="Courier New" panose="02070309020205020404" pitchFamily="49" charset="0"/>
-                <a:cs typeface="Courier New" panose="02070309020205020404" pitchFamily="49" charset="0"/>
-              </a:rPr>
-              <a:t># </a:t>
-            </a:r>
-            <a:r>
               <a:rPr lang="en-GB" sz="1600" dirty="0">
                 <a:latin typeface="Courier New" panose="02070309020205020404" pitchFamily="49" charset="0"/>
                 <a:cs typeface="Courier New" panose="02070309020205020404" pitchFamily="49" charset="0"/>
               </a:rPr>
-              <a:t>Week10, Example3</a:t>
+              <a:t># Week10, Example3</a:t>
             </a:r>
           </a:p>
           <a:p>
@@ -14330,13 +13988,6 @@
   <p:clrMapOvr>
     <a:masterClrMapping/>
   </p:clrMapOvr>
-  <p:timing>
-    <p:tnLst>
-      <p:par>
-        <p:cTn id="1" dur="indefinite" restart="never" nodeType="tmRoot"/>
-      </p:par>
-    </p:tnLst>
-  </p:timing>
 </p:sld>
 </file>
 
@@ -14373,18 +14024,17 @@
           <a:lstStyle/>
           <a:p>
             <a:r>
-              <a:rPr lang="en-GB" dirty="0" smtClean="0"/>
+              <a:rPr lang="en-GB" dirty="0"/>
               <a:t>Running Tests with </a:t>
             </a:r>
             <a:r>
-              <a:rPr lang="en-GB" dirty="0" err="1" smtClean="0"/>
+              <a:rPr lang="en-GB" dirty="0" err="1"/>
               <a:t>pytest</a:t>
             </a:r>
             <a:r>
-              <a:rPr lang="en-GB" dirty="0" smtClean="0"/>
+              <a:rPr lang="en-GB" dirty="0"/>
               <a:t>.</a:t>
             </a:r>
-            <a:endParaRPr lang="en-GB" dirty="0"/>
           </a:p>
         </p:txBody>
       </p:sp>
@@ -14411,19 +14061,19 @@
           <a:lstStyle/>
           <a:p>
             <a:r>
-              <a:rPr lang="en-GB" dirty="0" err="1" smtClean="0"/>
+              <a:rPr lang="en-GB" dirty="0" err="1"/>
               <a:t>pytest</a:t>
             </a:r>
             <a:r>
-              <a:rPr lang="en-GB" dirty="0" smtClean="0"/>
+              <a:rPr lang="en-GB" dirty="0"/>
               <a:t> (also known as </a:t>
             </a:r>
             <a:r>
-              <a:rPr lang="en-GB" dirty="0" err="1" smtClean="0"/>
+              <a:rPr lang="en-GB" dirty="0" err="1"/>
               <a:t>py.test</a:t>
             </a:r>
             <a:r>
-              <a:rPr lang="en-GB" dirty="0" smtClean="0"/>
+              <a:rPr lang="en-GB" dirty="0"/>
               <a:t>) is a framework you can use to run tests and see results.</a:t>
             </a:r>
           </a:p>
@@ -14436,7 +14086,7 @@
           </a:p>
           <a:p>
             <a:r>
-              <a:rPr lang="en-GB" dirty="0" smtClean="0">
+              <a:rPr lang="en-GB" dirty="0">
                 <a:solidFill>
                   <a:srgbClr val="FFFF00"/>
                 </a:solidFill>
@@ -14457,7 +14107,7 @@
               <a:buAutoNum type="arabicPeriod"/>
             </a:pPr>
             <a:r>
-              <a:rPr lang="en-GB" dirty="0" smtClean="0">
+              <a:rPr lang="en-GB" dirty="0">
                 <a:solidFill>
                   <a:srgbClr val="FFFF00"/>
                 </a:solidFill>
@@ -14465,7 +14115,7 @@
               <a:t>Configure </a:t>
             </a:r>
             <a:r>
-              <a:rPr lang="en-GB" dirty="0" err="1" smtClean="0">
+              <a:rPr lang="en-GB" dirty="0" err="1">
                 <a:solidFill>
                   <a:srgbClr val="FFFF00"/>
                 </a:solidFill>
@@ -14473,7 +14123,7 @@
               <a:t>PyCharm</a:t>
             </a:r>
             <a:r>
-              <a:rPr lang="en-GB" dirty="0" smtClean="0">
+              <a:rPr lang="en-GB" dirty="0">
                 <a:solidFill>
                   <a:srgbClr val="FFFF00"/>
                 </a:solidFill>
@@ -14481,7 +14131,7 @@
               <a:t> to use </a:t>
             </a:r>
             <a:r>
-              <a:rPr lang="en-GB" dirty="0" err="1" smtClean="0">
+              <a:rPr lang="en-GB" dirty="0" err="1">
                 <a:solidFill>
                   <a:srgbClr val="FFFF00"/>
                 </a:solidFill>
@@ -14489,7 +14139,7 @@
               <a:t>pytest</a:t>
             </a:r>
             <a:r>
-              <a:rPr lang="en-GB" dirty="0" smtClean="0">
+              <a:rPr lang="en-GB" dirty="0">
                 <a:solidFill>
                   <a:srgbClr val="FFFF00"/>
                 </a:solidFill>
@@ -14503,7 +14153,7 @@
               <a:buAutoNum type="arabicPeriod"/>
             </a:pPr>
             <a:r>
-              <a:rPr lang="en-GB" dirty="0" smtClean="0">
+              <a:rPr lang="en-GB" dirty="0">
                 <a:solidFill>
                   <a:srgbClr val="FFFF00"/>
                 </a:solidFill>
@@ -14511,7 +14161,7 @@
               <a:t>Name your test functions </a:t>
             </a:r>
             <a:r>
-              <a:rPr lang="en-GB" dirty="0" smtClean="0">
+              <a:rPr lang="en-GB" dirty="0">
                 <a:solidFill>
                   <a:srgbClr val="FFFF00"/>
                 </a:solidFill>
@@ -14521,7 +14171,7 @@
               <a:t>test_&lt;SOMETHING&gt;</a:t>
             </a:r>
             <a:r>
-              <a:rPr lang="en-GB" dirty="0" smtClean="0">
+              <a:rPr lang="en-GB" dirty="0">
                 <a:solidFill>
                   <a:srgbClr val="FFFF00"/>
                 </a:solidFill>
@@ -14535,7 +14185,7 @@
               <a:buAutoNum type="arabicPeriod"/>
             </a:pPr>
             <a:r>
-              <a:rPr lang="en-GB" dirty="0" smtClean="0">
+              <a:rPr lang="en-GB" dirty="0">
                 <a:solidFill>
                   <a:srgbClr val="FFFF00"/>
                 </a:solidFill>
@@ -14543,7 +14193,7 @@
               <a:t>Use </a:t>
             </a:r>
             <a:r>
-              <a:rPr lang="en-GB" dirty="0" err="1" smtClean="0">
+              <a:rPr lang="en-GB" dirty="0" err="1">
                 <a:solidFill>
                   <a:srgbClr val="FFFF00"/>
                 </a:solidFill>
@@ -14551,7 +14201,7 @@
               <a:t>PyCharm</a:t>
             </a:r>
             <a:r>
-              <a:rPr lang="en-GB" dirty="0" smtClean="0">
+              <a:rPr lang="en-GB" dirty="0">
                 <a:solidFill>
                   <a:srgbClr val="FFFF00"/>
                 </a:solidFill>
@@ -14564,14 +14214,14 @@
               <a:buFont typeface="+mj-lt"/>
               <a:buAutoNum type="arabicPeriod"/>
             </a:pPr>
-            <a:endParaRPr lang="en-GB" dirty="0" smtClean="0">
+            <a:endParaRPr lang="en-GB" dirty="0">
               <a:solidFill>
                 <a:srgbClr val="FFFF00"/>
               </a:solidFill>
             </a:endParaRPr>
           </a:p>
           <a:p>
-            <a:endParaRPr lang="en-GB" dirty="0" smtClean="0"/>
+            <a:endParaRPr lang="en-GB" dirty="0"/>
           </a:p>
         </p:txBody>
       </p:sp>
@@ -14585,13 +14235,6 @@
   <p:clrMapOvr>
     <a:masterClrMapping/>
   </p:clrMapOvr>
-  <p:timing>
-    <p:tnLst>
-      <p:par>
-        <p:cTn id="1" dur="indefinite" restart="never" nodeType="tmRoot"/>
-      </p:par>
-    </p:tnLst>
-  </p:timing>
 </p:sld>
 </file>
 

--- a/week10/week10.pptx
+++ b/week10/week10.pptx
@@ -11116,7 +11116,7 @@
               <a:t>    # Replace this with your </a:t>
             </a:r>
             <a:r>
-              <a:rPr lang="en-GB">
+              <a:rPr lang="en-GB" dirty="0" err="1">
                 <a:latin typeface="Courier New" panose="02070309020205020404" pitchFamily="49" charset="0"/>
                 <a:cs typeface="Courier New" panose="02070309020205020404" pitchFamily="49" charset="0"/>
               </a:rPr>
@@ -11558,7 +11558,7 @@
                 <a:latin typeface="Courier New" panose="02070309020205020404" pitchFamily="49" charset="0"/>
                 <a:cs typeface="Courier New" panose="02070309020205020404" pitchFamily="49" charset="0"/>
               </a:rPr>
-              <a:t># Week10, Homework4, Question</a:t>
+              <a:t># Week10, Homework3, Question</a:t>
             </a:r>
           </a:p>
           <a:p>
@@ -12159,7 +12159,7 @@
                 <a:latin typeface="Courier New" panose="02070309020205020404" pitchFamily="49" charset="0"/>
                 <a:cs typeface="Courier New" panose="02070309020205020404" pitchFamily="49" charset="0"/>
               </a:rPr>
-              <a:t># Week10, Homework5, Question</a:t>
+              <a:t># Week10, Homework4, Question</a:t>
             </a:r>
           </a:p>
           <a:p>
@@ -12614,8 +12614,19 @@
                 <a:latin typeface="Courier New" panose="02070309020205020404" pitchFamily="49" charset="0"/>
                 <a:cs typeface="Courier New" panose="02070309020205020404" pitchFamily="49" charset="0"/>
               </a:rPr>
-              <a:t>Week10, Homework6</a:t>
-            </a:r>
+              <a:t>Week10</a:t>
+            </a:r>
+            <a:r>
+              <a:rPr lang="en-GB" sz="1100">
+                <a:latin typeface="Courier New" panose="02070309020205020404" pitchFamily="49" charset="0"/>
+                <a:cs typeface="Courier New" panose="02070309020205020404" pitchFamily="49" charset="0"/>
+              </a:rPr>
+              <a:t>, Homework5</a:t>
+            </a:r>
+            <a:endParaRPr lang="en-GB" sz="1100" dirty="0">
+              <a:latin typeface="Courier New" panose="02070309020205020404" pitchFamily="49" charset="0"/>
+              <a:cs typeface="Courier New" panose="02070309020205020404" pitchFamily="49" charset="0"/>
+            </a:endParaRPr>
           </a:p>
           <a:p>
             <a:endParaRPr lang="en-GB" sz="1100" dirty="0">

--- a/week10/week10.pptx
+++ b/week10/week10.pptx
@@ -11527,7 +11527,7 @@
           <a:p>
             <a:r>
               <a:rPr lang="en-GB" dirty="0"/>
-              <a:t>Homework 4.</a:t>
+              <a:t>Homework 3.</a:t>
             </a:r>
           </a:p>
         </p:txBody>
@@ -12128,7 +12128,7 @@
           <a:p>
             <a:r>
               <a:rPr lang="en-GB" dirty="0"/>
-              <a:t>Homework 5.</a:t>
+              <a:t>Homework 4.</a:t>
             </a:r>
           </a:p>
         </p:txBody>
@@ -12576,7 +12576,7 @@
           <a:p>
             <a:r>
               <a:rPr lang="en-GB" dirty="0"/>
-              <a:t>Homework 6.</a:t>
+              <a:t>Homework 5.</a:t>
             </a:r>
           </a:p>
         </p:txBody>
@@ -12603,30 +12603,12 @@
           <a:lstStyle/>
           <a:p>
             <a:r>
-              <a:rPr lang="en-GB" sz="1100">
-                <a:latin typeface="Courier New" panose="02070309020205020404" pitchFamily="49" charset="0"/>
-                <a:cs typeface="Courier New" panose="02070309020205020404" pitchFamily="49" charset="0"/>
-              </a:rPr>
-              <a:t># </a:t>
-            </a:r>
-            <a:r>
               <a:rPr lang="en-GB" sz="1100" dirty="0">
                 <a:latin typeface="Courier New" panose="02070309020205020404" pitchFamily="49" charset="0"/>
                 <a:cs typeface="Courier New" panose="02070309020205020404" pitchFamily="49" charset="0"/>
               </a:rPr>
-              <a:t>Week10</a:t>
-            </a:r>
-            <a:r>
-              <a:rPr lang="en-GB" sz="1100">
-                <a:latin typeface="Courier New" panose="02070309020205020404" pitchFamily="49" charset="0"/>
-                <a:cs typeface="Courier New" panose="02070309020205020404" pitchFamily="49" charset="0"/>
-              </a:rPr>
-              <a:t>, Homework5</a:t>
-            </a:r>
-            <a:endParaRPr lang="en-GB" sz="1100" dirty="0">
-              <a:latin typeface="Courier New" panose="02070309020205020404" pitchFamily="49" charset="0"/>
-              <a:cs typeface="Courier New" panose="02070309020205020404" pitchFamily="49" charset="0"/>
-            </a:endParaRPr>
+              <a:t># Week10, Homework5</a:t>
+            </a:r>
           </a:p>
           <a:p>
             <a:endParaRPr lang="en-GB" sz="1100" dirty="0">
